--- a/Advanced Reactor Materials/Lec8_SFRs.pptx
+++ b/Advanced Reactor Materials/Lec8_SFRs.pptx
@@ -6,32 +6,25 @@
     <p:sldMasterId id="2147483684" r:id="rId2"/>
   </p:sldMasterIdLst>
   <p:notesMasterIdLst>
-    <p:notesMasterId r:id="rId26"/>
+    <p:notesMasterId r:id="rId19"/>
   </p:notesMasterIdLst>
   <p:sldIdLst>
     <p:sldId id="256" r:id="rId3"/>
     <p:sldId id="494" r:id="rId4"/>
     <p:sldId id="493" r:id="rId5"/>
     <p:sldId id="495" r:id="rId6"/>
-    <p:sldId id="434" r:id="rId7"/>
-    <p:sldId id="443" r:id="rId8"/>
-    <p:sldId id="444" r:id="rId9"/>
-    <p:sldId id="435" r:id="rId10"/>
-    <p:sldId id="437" r:id="rId11"/>
-    <p:sldId id="436" r:id="rId12"/>
-    <p:sldId id="480" r:id="rId13"/>
-    <p:sldId id="410" r:id="rId14"/>
-    <p:sldId id="422" r:id="rId15"/>
-    <p:sldId id="411" r:id="rId16"/>
-    <p:sldId id="419" r:id="rId17"/>
-    <p:sldId id="420" r:id="rId18"/>
-    <p:sldId id="423" r:id="rId19"/>
-    <p:sldId id="413" r:id="rId20"/>
-    <p:sldId id="424" r:id="rId21"/>
-    <p:sldId id="414" r:id="rId22"/>
-    <p:sldId id="415" r:id="rId23"/>
-    <p:sldId id="416" r:id="rId24"/>
-    <p:sldId id="395" r:id="rId25"/>
+    <p:sldId id="496" r:id="rId7"/>
+    <p:sldId id="497" r:id="rId8"/>
+    <p:sldId id="498" r:id="rId9"/>
+    <p:sldId id="499" r:id="rId10"/>
+    <p:sldId id="500" r:id="rId11"/>
+    <p:sldId id="501" r:id="rId12"/>
+    <p:sldId id="502" r:id="rId13"/>
+    <p:sldId id="505" r:id="rId14"/>
+    <p:sldId id="434" r:id="rId15"/>
+    <p:sldId id="443" r:id="rId16"/>
+    <p:sldId id="444" r:id="rId17"/>
+    <p:sldId id="395" r:id="rId18"/>
   </p:sldIdLst>
   <p:sldSz cx="12192000" cy="6858000"/>
   <p:notesSz cx="6858000" cy="9144000"/>
@@ -220,7 +213,7 @@
           <a:p>
             <a:fld id="{E6516A0F-2645-F945-ADC5-B2CC11F8F912}" type="datetimeFigureOut">
               <a:rPr lang="en-US" smtClean="0"/>
-              <a:t>9/9/21</a:t>
+              <a:t>9/16/21</a:t>
             </a:fld>
             <a:endParaRPr lang="en-US"/>
           </a:p>
@@ -552,7 +545,7 @@
           <a:p>
             <a:fld id="{259D32B1-08AD-0943-8C60-7CB4F1A83E64}" type="slidenum">
               <a:rPr lang="en-US" smtClean="0"/>
-              <a:t>5</a:t>
+              <a:t>13</a:t>
             </a:fld>
             <a:endParaRPr lang="en-US"/>
           </a:p>
@@ -636,7 +629,7 @@
           <a:p>
             <a:fld id="{259D32B1-08AD-0943-8C60-7CB4F1A83E64}" type="slidenum">
               <a:rPr lang="en-US" smtClean="0"/>
-              <a:t>6</a:t>
+              <a:t>14</a:t>
             </a:fld>
             <a:endParaRPr lang="en-US"/>
           </a:p>
@@ -720,7 +713,7 @@
           <a:p>
             <a:fld id="{259D32B1-08AD-0943-8C60-7CB4F1A83E64}" type="slidenum">
               <a:rPr lang="en-US" smtClean="0"/>
-              <a:t>7</a:t>
+              <a:t>15</a:t>
             </a:fld>
             <a:endParaRPr lang="en-US"/>
           </a:p>
@@ -886,7 +879,7 @@
           <a:p>
             <a:fld id="{6008B229-1626-F140-A5AB-667E95C72CE6}" type="datetime1">
               <a:rPr lang="en-US" smtClean="0"/>
-              <a:t>9/9/21</a:t>
+              <a:t>9/16/21</a:t>
             </a:fld>
             <a:endParaRPr lang="en-US"/>
           </a:p>
@@ -1084,7 +1077,7 @@
           <a:p>
             <a:fld id="{777BA9D7-BCB1-2C4D-8831-3E14AB2674F7}" type="datetime1">
               <a:rPr lang="en-US" smtClean="0"/>
-              <a:t>9/9/21</a:t>
+              <a:t>9/16/21</a:t>
             </a:fld>
             <a:endParaRPr lang="en-US"/>
           </a:p>
@@ -1292,7 +1285,7 @@
           <a:p>
             <a:fld id="{C8CF900D-2ECF-E249-9251-2832B420FAEA}" type="datetime1">
               <a:rPr lang="en-US" smtClean="0"/>
-              <a:t>9/9/21</a:t>
+              <a:t>9/16/21</a:t>
             </a:fld>
             <a:endParaRPr lang="en-US"/>
           </a:p>
@@ -1553,7 +1546,7 @@
             </a:pPr>
             <a:fld id="{30785609-E5CC-DE44-B37C-B4F30876FF32}" type="datetime1">
               <a:rPr lang="en-US" smtClean="0"/>
-              <a:t>9/9/21</a:t>
+              <a:t>9/16/21</a:t>
             </a:fld>
             <a:endParaRPr lang="en-US"/>
           </a:p>
@@ -1752,7 +1745,7 @@
             </a:pPr>
             <a:fld id="{DD2F8954-4A2E-3243-B2DC-9CD5CB712752}" type="datetime1">
               <a:rPr lang="en-US" smtClean="0"/>
-              <a:t>9/9/21</a:t>
+              <a:t>9/16/21</a:t>
             </a:fld>
             <a:endParaRPr lang="en-US"/>
           </a:p>
@@ -2022,7 +2015,7 @@
             </a:pPr>
             <a:fld id="{2FD4575D-199B-0745-9376-4BA74FA8EFA7}" type="datetime1">
               <a:rPr lang="en-US" smtClean="0"/>
-              <a:t>9/9/21</a:t>
+              <a:t>9/16/21</a:t>
             </a:fld>
             <a:endParaRPr lang="en-US"/>
           </a:p>
@@ -2333,7 +2326,7 @@
             </a:pPr>
             <a:fld id="{334EC5E2-8D01-2849-BCEF-95F1335AF02C}" type="datetime1">
               <a:rPr lang="en-US" smtClean="0"/>
-              <a:t>9/9/21</a:t>
+              <a:t>9/16/21</a:t>
             </a:fld>
             <a:endParaRPr lang="en-US"/>
           </a:p>
@@ -2653,7 +2646,7 @@
             </a:pPr>
             <a:fld id="{71BB4091-1279-5E46-833E-3B1192709521}" type="datetime1">
               <a:rPr lang="en-US" smtClean="0"/>
-              <a:t>9/9/21</a:t>
+              <a:t>9/16/21</a:t>
             </a:fld>
             <a:endParaRPr lang="en-US"/>
           </a:p>
@@ -2794,7 +2787,7 @@
             </a:pPr>
             <a:fld id="{98C5C5CE-9A98-3649-A752-35F044CBF5B8}" type="datetime1">
               <a:rPr lang="en-US" smtClean="0"/>
-              <a:t>9/9/21</a:t>
+              <a:t>9/16/21</a:t>
             </a:fld>
             <a:endParaRPr lang="en-US"/>
           </a:p>
@@ -2913,7 +2906,7 @@
             </a:pPr>
             <a:fld id="{79324C5E-CE4C-B646-8BD9-2D7670818E7E}" type="datetime1">
               <a:rPr lang="en-US" smtClean="0"/>
-              <a:t>9/9/21</a:t>
+              <a:t>9/16/21</a:t>
             </a:fld>
             <a:endParaRPr lang="en-US"/>
           </a:p>
@@ -3212,7 +3205,7 @@
             </a:pPr>
             <a:fld id="{03B3BC9F-3142-5445-97AB-BA4A48743DCA}" type="datetime1">
               <a:rPr lang="en-US" smtClean="0"/>
-              <a:t>9/9/21</a:t>
+              <a:t>9/16/21</a:t>
             </a:fld>
             <a:endParaRPr lang="en-US"/>
           </a:p>
@@ -3415,7 +3408,7 @@
           <a:p>
             <a:fld id="{054DD6E4-1949-3040-894C-35794FB3182E}" type="datetime1">
               <a:rPr lang="en-US" smtClean="0"/>
-              <a:t>9/9/21</a:t>
+              <a:t>9/16/21</a:t>
             </a:fld>
             <a:endParaRPr lang="en-US"/>
           </a:p>
@@ -3694,7 +3687,7 @@
             </a:pPr>
             <a:fld id="{1897FE6E-4AF1-BB43-A3BB-BA9931BC385B}" type="datetime1">
               <a:rPr lang="en-US" smtClean="0"/>
-              <a:t>9/9/21</a:t>
+              <a:t>9/16/21</a:t>
             </a:fld>
             <a:endParaRPr lang="en-US"/>
           </a:p>
@@ -3887,7 +3880,7 @@
             </a:pPr>
             <a:fld id="{0DAF1F23-51F5-E24D-A2F3-F9FF410B2C6B}" type="datetime1">
               <a:rPr lang="en-US" smtClean="0"/>
-              <a:t>9/9/21</a:t>
+              <a:t>9/16/21</a:t>
             </a:fld>
             <a:endParaRPr lang="en-US"/>
           </a:p>
@@ -4089,7 +4082,7 @@
             </a:pPr>
             <a:fld id="{C7F9506E-CC5A-D948-B9E0-FC81D1F3EEB8}" type="datetime1">
               <a:rPr lang="en-US" smtClean="0"/>
-              <a:t>9/9/21</a:t>
+              <a:t>9/16/21</a:t>
             </a:fld>
             <a:endParaRPr lang="en-US"/>
           </a:p>
@@ -4369,7 +4362,7 @@
           <a:p>
             <a:fld id="{C757C4BA-F6BD-9D46-BAF7-7A606C7B7108}" type="datetime1">
               <a:rPr lang="en-US" smtClean="0"/>
-              <a:t>9/9/21</a:t>
+              <a:t>9/16/21</a:t>
             </a:fld>
             <a:endParaRPr lang="en-US"/>
           </a:p>
@@ -4634,7 +4627,7 @@
           <a:p>
             <a:fld id="{95FEEB89-C0FA-7B44-91C8-3A1F81281704}" type="datetime1">
               <a:rPr lang="en-US" smtClean="0"/>
-              <a:t>9/9/21</a:t>
+              <a:t>9/16/21</a:t>
             </a:fld>
             <a:endParaRPr lang="en-US"/>
           </a:p>
@@ -5046,7 +5039,7 @@
           <a:p>
             <a:fld id="{CF66CC17-747B-F748-A0C3-012987D5CF06}" type="datetime1">
               <a:rPr lang="en-US" smtClean="0"/>
-              <a:t>9/9/21</a:t>
+              <a:t>9/16/21</a:t>
             </a:fld>
             <a:endParaRPr lang="en-US"/>
           </a:p>
@@ -5187,7 +5180,7 @@
           <a:p>
             <a:fld id="{69BCEF32-73C1-834F-B688-79D9DDD34705}" type="datetime1">
               <a:rPr lang="en-US" smtClean="0"/>
-              <a:t>9/9/21</a:t>
+              <a:t>9/16/21</a:t>
             </a:fld>
             <a:endParaRPr lang="en-US"/>
           </a:p>
@@ -5300,7 +5293,7 @@
           <a:p>
             <a:fld id="{2E3B6507-7DFF-0847-9F5C-8F1A1EA2E5B9}" type="datetime1">
               <a:rPr lang="en-US" smtClean="0"/>
-              <a:t>9/9/21</a:t>
+              <a:t>9/16/21</a:t>
             </a:fld>
             <a:endParaRPr lang="en-US"/>
           </a:p>
@@ -5611,7 +5604,7 @@
           <a:p>
             <a:fld id="{2DB495FC-A020-2046-83B9-B5FB38D52B0B}" type="datetime1">
               <a:rPr lang="en-US" smtClean="0"/>
-              <a:t>9/9/21</a:t>
+              <a:t>9/16/21</a:t>
             </a:fld>
             <a:endParaRPr lang="en-US"/>
           </a:p>
@@ -5899,7 +5892,7 @@
           <a:p>
             <a:fld id="{BD7A8680-6AE5-D949-9D95-115987696769}" type="datetime1">
               <a:rPr lang="en-US" smtClean="0"/>
-              <a:t>9/9/21</a:t>
+              <a:t>9/16/21</a:t>
             </a:fld>
             <a:endParaRPr lang="en-US"/>
           </a:p>
@@ -6140,7 +6133,7 @@
           <a:p>
             <a:fld id="{FF7D75D3-5748-F148-9D5F-9B1083DE5149}" type="datetime1">
               <a:rPr lang="en-US" smtClean="0"/>
-              <a:t>9/9/21</a:t>
+              <a:t>9/16/21</a:t>
             </a:fld>
             <a:endParaRPr lang="en-US"/>
           </a:p>
@@ -6587,14 +6580,14 @@
           </a:ln>
           <a:extLst>
             <a:ext uri="{909E8E84-426E-40dd-AFC4-6F175D3DCCD1}">
-              <a14:hiddenFill xmlns:a14="http://schemas.microsoft.com/office/drawing/2010/main" xmlns="">
+              <a14:hiddenFill xmlns="" xmlns:a14="http://schemas.microsoft.com/office/drawing/2010/main">
                 <a:solidFill>
                   <a:srgbClr val="FFFFFF"/>
                 </a:solidFill>
               </a14:hiddenFill>
             </a:ext>
             <a:ext uri="{91240B29-F687-4f45-9708-019B960494DF}">
-              <a14:hiddenLine xmlns:a14="http://schemas.microsoft.com/office/drawing/2010/main" xmlns="" w="9525">
+              <a14:hiddenLine xmlns="" xmlns:a14="http://schemas.microsoft.com/office/drawing/2010/main" w="9525">
                 <a:solidFill>
                   <a:srgbClr val="000000"/>
                 </a:solidFill>
@@ -6604,7 +6597,7 @@
               </a14:hiddenLine>
             </a:ext>
             <a:ext uri="{FAA26D3D-D897-4be2-8F04-BA451C77F1D7}">
-              <ma14:placeholderFlag xmlns:ma14="http://schemas.microsoft.com/office/mac/drawingml/2011/main" xmlns="" val="1"/>
+              <ma14:placeholderFlag xmlns="" xmlns:ma14="http://schemas.microsoft.com/office/mac/drawingml/2011/main" val="1"/>
             </a:ext>
           </a:extLst>
         </p:spPr>
@@ -6655,14 +6648,14 @@
           </a:ln>
           <a:extLst>
             <a:ext uri="{909E8E84-426E-40dd-AFC4-6F175D3DCCD1}">
-              <a14:hiddenFill xmlns:a14="http://schemas.microsoft.com/office/drawing/2010/main" xmlns="">
+              <a14:hiddenFill xmlns="" xmlns:a14="http://schemas.microsoft.com/office/drawing/2010/main">
                 <a:solidFill>
                   <a:srgbClr val="FFFFFF"/>
                 </a:solidFill>
               </a14:hiddenFill>
             </a:ext>
             <a:ext uri="{91240B29-F687-4f45-9708-019B960494DF}">
-              <a14:hiddenLine xmlns:a14="http://schemas.microsoft.com/office/drawing/2010/main" xmlns="" w="9525">
+              <a14:hiddenLine xmlns="" xmlns:a14="http://schemas.microsoft.com/office/drawing/2010/main" w="9525">
                 <a:solidFill>
                   <a:srgbClr val="000000"/>
                 </a:solidFill>
@@ -6672,7 +6665,7 @@
               </a14:hiddenLine>
             </a:ext>
             <a:ext uri="{FAA26D3D-D897-4be2-8F04-BA451C77F1D7}">
-              <ma14:placeholderFlag xmlns:ma14="http://schemas.microsoft.com/office/mac/drawingml/2011/main" xmlns="" val="1"/>
+              <ma14:placeholderFlag xmlns="" xmlns:ma14="http://schemas.microsoft.com/office/mac/drawingml/2011/main" val="1"/>
             </a:ext>
           </a:extLst>
         </p:spPr>
@@ -6768,7 +6761,7 @@
             </a:pPr>
             <a:fld id="{4F3AB534-2132-774F-82DE-4210B1BD5FED}" type="datetime1">
               <a:rPr lang="en-US" smtClean="0"/>
-              <a:t>9/9/21</a:t>
+              <a:t>9/16/21</a:t>
             </a:fld>
             <a:endParaRPr lang="en-US" dirty="0"/>
           </a:p>
@@ -7470,7 +7463,7 @@
           <p:cNvPr id="2" name="Title 1">
             <a:extLst>
               <a:ext uri="{FF2B5EF4-FFF2-40B4-BE49-F238E27FC236}">
-                <a16:creationId xmlns:a16="http://schemas.microsoft.com/office/drawing/2014/main" id="{B96CE851-9CAA-904E-B87E-EDA6E1A4863B}"/>
+                <a16:creationId xmlns:a16="http://schemas.microsoft.com/office/drawing/2014/main" id="{2EAEDCB8-B46E-4C48-A5E8-127FC39B85C2}"/>
               </a:ext>
             </a:extLst>
           </p:cNvPr>
@@ -7488,7 +7481,7 @@
           <a:p>
             <a:r>
               <a:rPr lang="en-US" dirty="0"/>
-              <a:t>Refabrication</a:t>
+              <a:t>FCCI </a:t>
             </a:r>
           </a:p>
         </p:txBody>
@@ -7498,7 +7491,7 @@
           <p:cNvPr id="3" name="Content Placeholder 2">
             <a:extLst>
               <a:ext uri="{FF2B5EF4-FFF2-40B4-BE49-F238E27FC236}">
-                <a16:creationId xmlns:a16="http://schemas.microsoft.com/office/drawing/2014/main" id="{DA5AC39C-F1A3-CA4D-8276-0BBA3895B9A8}"/>
+                <a16:creationId xmlns:a16="http://schemas.microsoft.com/office/drawing/2014/main" id="{08C8C4A5-FB2E-6E48-9205-484356B68440}"/>
               </a:ext>
             </a:extLst>
           </p:cNvPr>
@@ -7509,64 +7502,97 @@
             <p:ph sz="half" idx="1"/>
           </p:nvPr>
         </p:nvSpPr>
-        <p:spPr/>
-        <p:txBody>
-          <a:bodyPr/>
-          <a:lstStyle/>
-          <a:p>
-            <a:r>
-              <a:rPr lang="en-US" dirty="0"/>
-              <a:t>Injection casting</a:t>
-            </a:r>
-          </a:p>
-        </p:txBody>
-      </p:sp>
-      <p:sp>
-        <p:nvSpPr>
-          <p:cNvPr id="4" name="Content Placeholder 3">
-            <a:extLst>
-              <a:ext uri="{FF2B5EF4-FFF2-40B4-BE49-F238E27FC236}">
-                <a16:creationId xmlns:a16="http://schemas.microsoft.com/office/drawing/2014/main" id="{C3F700C4-0FFA-D147-ADAB-03DAB0B785D7}"/>
-              </a:ext>
-            </a:extLst>
-          </p:cNvPr>
-          <p:cNvSpPr>
-            <a:spLocks noGrp="1"/>
-          </p:cNvSpPr>
+        <p:spPr>
+          <a:xfrm>
+            <a:off x="609599" y="1968503"/>
+            <a:ext cx="6011917" cy="4157663"/>
+          </a:xfrm>
+        </p:spPr>
+        <p:txBody>
+          <a:bodyPr/>
+          <a:lstStyle/>
+          <a:p>
+            <a:r>
+              <a:rPr lang="en-US" sz="2400" dirty="0"/>
+              <a:t>In the fuel, some phases are observed that are enriched with the fuel constituents and contain Fe or Ni as the major nonfuel or components</a:t>
+            </a:r>
+          </a:p>
+          <a:p>
+            <a:r>
+              <a:rPr lang="en-US" sz="2400" dirty="0"/>
+              <a:t>Other phases are observed that primarily contain lanthanides</a:t>
+            </a:r>
+          </a:p>
+          <a:p>
+            <a:r>
+              <a:rPr lang="en-US" sz="2400" dirty="0"/>
+              <a:t>The interaction zone formation is localized</a:t>
+            </a:r>
+          </a:p>
+          <a:p>
+            <a:r>
+              <a:rPr lang="en-US" sz="2400" dirty="0"/>
+              <a:t>Temperature and power variations along the length of a fuel element appear to impact the amount of FCCI that occurs</a:t>
+            </a:r>
+          </a:p>
+          <a:p>
+            <a:endParaRPr lang="en-US" sz="2400" dirty="0"/>
+          </a:p>
+          <a:p>
+            <a:endParaRPr lang="en-US" sz="2400" dirty="0"/>
+          </a:p>
+          <a:p>
+            <a:endParaRPr lang="en-US" sz="2400" dirty="0"/>
+          </a:p>
+          <a:p>
+            <a:endParaRPr lang="en-US" sz="2400" dirty="0"/>
+          </a:p>
+          <a:p>
+            <a:endParaRPr lang="en-US" sz="2400" dirty="0"/>
+          </a:p>
+          <a:p>
+            <a:endParaRPr lang="en-US" sz="2400" dirty="0"/>
+          </a:p>
+        </p:txBody>
+      </p:sp>
+      <p:pic>
+        <p:nvPicPr>
+          <p:cNvPr id="6" name="Content Placeholder 5">
+            <a:extLst>
+              <a:ext uri="{FF2B5EF4-FFF2-40B4-BE49-F238E27FC236}">
+                <a16:creationId xmlns:a16="http://schemas.microsoft.com/office/drawing/2014/main" id="{47AF267C-60BA-664A-8071-C54C3BE46979}"/>
+              </a:ext>
+            </a:extLst>
+          </p:cNvPr>
+          <p:cNvPicPr>
+            <a:picLocks noGrp="1" noChangeAspect="1"/>
+          </p:cNvPicPr>
           <p:nvPr>
             <p:ph sz="half" idx="2"/>
           </p:nvPr>
-        </p:nvSpPr>
-        <p:spPr/>
-        <p:txBody>
-          <a:bodyPr/>
-          <a:lstStyle/>
-          <a:p>
-            <a:r>
-              <a:rPr lang="en-US" sz="2400" dirty="0"/>
-              <a:t>These technologies are expected to reduce the fuel cycle cost even for small-scale fuel cycle plants because of the simplicity of the process and the compactness of the equipment</a:t>
-            </a:r>
-          </a:p>
-          <a:p>
-            <a:r>
-              <a:rPr lang="en-US" sz="2400" dirty="0"/>
-              <a:t>For example, in the injection casting process, composition adjustment, melting (alloying), and casting of the fuel slug can be done in a single injection-casting furnace</a:t>
-            </a:r>
-          </a:p>
-          <a:p>
-            <a:endParaRPr lang="en-US" sz="2400" dirty="0"/>
-          </a:p>
-          <a:p>
-            <a:endParaRPr lang="en-US" sz="2400" dirty="0"/>
-          </a:p>
-        </p:txBody>
-      </p:sp>
+        </p:nvPicPr>
+        <p:blipFill>
+          <a:blip r:embed="rId2"/>
+          <a:stretch>
+            <a:fillRect/>
+          </a:stretch>
+        </p:blipFill>
+        <p:spPr>
+          <a:xfrm>
+            <a:off x="6758152" y="2756262"/>
+            <a:ext cx="5041462" cy="1635642"/>
+          </a:xfrm>
+          <a:prstGeom prst="rect">
+            <a:avLst/>
+          </a:prstGeom>
+        </p:spPr>
+      </p:pic>
       <p:sp>
         <p:nvSpPr>
           <p:cNvPr id="5" name="Slide Number Placeholder 4">
             <a:extLst>
               <a:ext uri="{FF2B5EF4-FFF2-40B4-BE49-F238E27FC236}">
-                <a16:creationId xmlns:a16="http://schemas.microsoft.com/office/drawing/2014/main" id="{000C07CA-C85C-0E46-83B0-05559C6298A2}"/>
+                <a16:creationId xmlns:a16="http://schemas.microsoft.com/office/drawing/2014/main" id="{303B83D5-54D0-8A49-A37A-C02A42F037E1}"/>
               </a:ext>
             </a:extLst>
           </p:cNvPr>
@@ -7596,10 +7622,76 @@
           </a:p>
         </p:txBody>
       </p:sp>
+      <p:pic>
+        <p:nvPicPr>
+          <p:cNvPr id="7" name="Picture 6">
+            <a:extLst>
+              <a:ext uri="{FF2B5EF4-FFF2-40B4-BE49-F238E27FC236}">
+                <a16:creationId xmlns:a16="http://schemas.microsoft.com/office/drawing/2014/main" id="{582067B8-6F05-FE43-B91C-028BCFDC7C21}"/>
+              </a:ext>
+            </a:extLst>
+          </p:cNvPr>
+          <p:cNvPicPr>
+            <a:picLocks noChangeAspect="1"/>
+          </p:cNvPicPr>
+          <p:nvPr/>
+        </p:nvPicPr>
+        <p:blipFill>
+          <a:blip r:embed="rId3"/>
+          <a:stretch>
+            <a:fillRect/>
+          </a:stretch>
+        </p:blipFill>
+        <p:spPr>
+          <a:xfrm>
+            <a:off x="6758152" y="4766601"/>
+            <a:ext cx="5141310" cy="1075920"/>
+          </a:xfrm>
+          <a:prstGeom prst="rect">
+            <a:avLst/>
+          </a:prstGeom>
+        </p:spPr>
+      </p:pic>
+      <p:sp>
+        <p:nvSpPr>
+          <p:cNvPr id="8" name="TextBox 7">
+            <a:extLst>
+              <a:ext uri="{FF2B5EF4-FFF2-40B4-BE49-F238E27FC236}">
+                <a16:creationId xmlns:a16="http://schemas.microsoft.com/office/drawing/2014/main" id="{3E662D8C-89B5-B24E-A044-0B4CB09E4F86}"/>
+              </a:ext>
+            </a:extLst>
+          </p:cNvPr>
+          <p:cNvSpPr txBox="1"/>
+          <p:nvPr/>
+        </p:nvSpPr>
+        <p:spPr>
+          <a:xfrm>
+            <a:off x="7028793" y="2231921"/>
+            <a:ext cx="4593021" cy="378372"/>
+          </a:xfrm>
+          <a:prstGeom prst="rect">
+            <a:avLst/>
+          </a:prstGeom>
+          <a:noFill/>
+        </p:spPr>
+        <p:txBody>
+          <a:bodyPr wrap="square" rtlCol="0">
+            <a:spAutoFit/>
+          </a:bodyPr>
+          <a:lstStyle/>
+          <a:p>
+            <a:pPr algn="ctr"/>
+            <a:r>
+              <a:rPr lang="en-US" dirty="0"/>
+              <a:t>Two different locations in DP-16</a:t>
+            </a:r>
+          </a:p>
+        </p:txBody>
+      </p:sp>
     </p:spTree>
     <p:extLst>
       <p:ext uri="{BB962C8B-B14F-4D97-AF65-F5344CB8AC3E}">
-        <p14:creationId xmlns:p14="http://schemas.microsoft.com/office/powerpoint/2010/main" val="2832699944"/>
+        <p14:creationId xmlns:p14="http://schemas.microsoft.com/office/powerpoint/2010/main" val="4106697391"/>
       </p:ext>
     </p:extLst>
   </p:cSld>
@@ -7631,7 +7723,7 @@
           <p:cNvPr id="2" name="Title 1">
             <a:extLst>
               <a:ext uri="{FF2B5EF4-FFF2-40B4-BE49-F238E27FC236}">
-                <a16:creationId xmlns:a16="http://schemas.microsoft.com/office/drawing/2014/main" id="{B96CE851-9CAA-904E-B87E-EDA6E1A4863B}"/>
+                <a16:creationId xmlns:a16="http://schemas.microsoft.com/office/drawing/2014/main" id="{B3E33240-0CB0-E249-A883-8A772C21EC02}"/>
               </a:ext>
             </a:extLst>
           </p:cNvPr>
@@ -7649,7 +7741,7 @@
           <a:p>
             <a:r>
               <a:rPr lang="en-US" dirty="0"/>
-              <a:t>SFR Cladding</a:t>
+              <a:t>Melting Experiments</a:t>
             </a:r>
           </a:p>
         </p:txBody>
@@ -7659,7 +7751,7 @@
           <p:cNvPr id="3" name="Content Placeholder 2">
             <a:extLst>
               <a:ext uri="{FF2B5EF4-FFF2-40B4-BE49-F238E27FC236}">
-                <a16:creationId xmlns:a16="http://schemas.microsoft.com/office/drawing/2014/main" id="{DA5AC39C-F1A3-CA4D-8276-0BBA3895B9A8}"/>
+                <a16:creationId xmlns:a16="http://schemas.microsoft.com/office/drawing/2014/main" id="{9623DC57-DCE3-AF4D-9490-6DE57B5D8ED2}"/>
               </a:ext>
             </a:extLst>
           </p:cNvPr>
@@ -7672,8 +7764,8 @@
         </p:nvSpPr>
         <p:spPr>
           <a:xfrm>
-            <a:off x="609599" y="1968503"/>
-            <a:ext cx="6243145" cy="4157663"/>
+            <a:off x="609600" y="1968503"/>
+            <a:ext cx="6936828" cy="4157663"/>
           </a:xfrm>
         </p:spPr>
         <p:txBody>
@@ -7681,47 +7773,74 @@
           <a:lstStyle/>
           <a:p>
             <a:r>
-              <a:rPr lang="en-US" sz="2400" dirty="0"/>
-              <a:t>HT9 is the current cladding material of choice for SFRs</a:t>
-            </a:r>
-          </a:p>
-          <a:p>
-            <a:r>
-              <a:rPr lang="en-US" sz="2400" dirty="0"/>
-              <a:t>HT9 is a </a:t>
-            </a:r>
-            <a:r>
-              <a:rPr lang="en-US" sz="2400" dirty="0" err="1"/>
-              <a:t>nonswelling</a:t>
-            </a:r>
-            <a:r>
-              <a:rPr lang="en-US" sz="2400" dirty="0"/>
-              <a:t> martensitic stainless steel</a:t>
-            </a:r>
-          </a:p>
-          <a:p>
-            <a:r>
-              <a:rPr lang="en-US" dirty="0"/>
-              <a:t>The rate of cladding strain has increased for the initially 85% fuel smeared density elements</a:t>
-            </a:r>
-          </a:p>
-          <a:p>
-            <a:endParaRPr lang="en-US" sz="2400" dirty="0"/>
-          </a:p>
-          <a:p>
-            <a:endParaRPr lang="en-US" sz="2400" dirty="0"/>
-          </a:p>
-          <a:p>
-            <a:endParaRPr lang="en-US" sz="2400" dirty="0"/>
-          </a:p>
-        </p:txBody>
-      </p:sp>
+              <a:rPr lang="en-US" sz="2200" dirty="0"/>
+              <a:t>One potentially significant impact that the presence of FCCI zones is the melting of phases inside the cladding</a:t>
+            </a:r>
+          </a:p>
+          <a:p>
+            <a:r>
+              <a:rPr lang="en-US" sz="2200" dirty="0"/>
+              <a:t>This will limit the allowable coolant temperature that can be used for the reactor, but it can become more important when considering transients and accidents</a:t>
+            </a:r>
+          </a:p>
+          <a:p>
+            <a:r>
+              <a:rPr lang="en-US" sz="2200" dirty="0"/>
+              <a:t>This illustrates the effect of the relatively low quantities of Fe required to cause melting on the uranium-rich side of the U–Fe phase diagram</a:t>
+            </a:r>
+          </a:p>
+          <a:p>
+            <a:r>
+              <a:rPr lang="en-US" sz="2200" dirty="0"/>
+              <a:t>In general, no liquid phase formation is observed below heating at 700C</a:t>
+            </a:r>
+          </a:p>
+          <a:p>
+            <a:endParaRPr lang="en-US" sz="2200" dirty="0"/>
+          </a:p>
+          <a:p>
+            <a:endParaRPr lang="en-US" sz="2200" dirty="0"/>
+          </a:p>
+        </p:txBody>
+      </p:sp>
+      <p:pic>
+        <p:nvPicPr>
+          <p:cNvPr id="6" name="Content Placeholder 5">
+            <a:extLst>
+              <a:ext uri="{FF2B5EF4-FFF2-40B4-BE49-F238E27FC236}">
+                <a16:creationId xmlns:a16="http://schemas.microsoft.com/office/drawing/2014/main" id="{DDD21B83-3F3A-B34D-9E79-DE8B6F09854A}"/>
+              </a:ext>
+            </a:extLst>
+          </p:cNvPr>
+          <p:cNvPicPr>
+            <a:picLocks noGrp="1" noChangeAspect="1"/>
+          </p:cNvPicPr>
+          <p:nvPr>
+            <p:ph sz="half" idx="2"/>
+          </p:nvPr>
+        </p:nvPicPr>
+        <p:blipFill>
+          <a:blip r:embed="rId2"/>
+          <a:stretch>
+            <a:fillRect/>
+          </a:stretch>
+        </p:blipFill>
+        <p:spPr>
+          <a:xfrm>
+            <a:off x="7854710" y="1789472"/>
+            <a:ext cx="2729207" cy="5068528"/>
+          </a:xfrm>
+          <a:prstGeom prst="rect">
+            <a:avLst/>
+          </a:prstGeom>
+        </p:spPr>
+      </p:pic>
       <p:sp>
         <p:nvSpPr>
           <p:cNvPr id="5" name="Slide Number Placeholder 4">
             <a:extLst>
               <a:ext uri="{FF2B5EF4-FFF2-40B4-BE49-F238E27FC236}">
-                <a16:creationId xmlns:a16="http://schemas.microsoft.com/office/drawing/2014/main" id="{000C07CA-C85C-0E46-83B0-05559C6298A2}"/>
+                <a16:creationId xmlns:a16="http://schemas.microsoft.com/office/drawing/2014/main" id="{E058E98D-8D96-8541-A62B-5D0B329EE0F1}"/>
               </a:ext>
             </a:extLst>
           </p:cNvPr>
@@ -7751,128 +7870,10 @@
           </a:p>
         </p:txBody>
       </p:sp>
-      <p:pic>
-        <p:nvPicPr>
-          <p:cNvPr id="6" name="Content Placeholder 5">
-            <a:extLst>
-              <a:ext uri="{FF2B5EF4-FFF2-40B4-BE49-F238E27FC236}">
-                <a16:creationId xmlns:a16="http://schemas.microsoft.com/office/drawing/2014/main" id="{531087AC-ABF8-AA4B-884C-5B745CBDE44E}"/>
-              </a:ext>
-            </a:extLst>
-          </p:cNvPr>
-          <p:cNvPicPr>
-            <a:picLocks noGrp="1" noChangeAspect="1"/>
-          </p:cNvPicPr>
-          <p:nvPr>
-            <p:ph sz="half" idx="2"/>
-          </p:nvPr>
-        </p:nvPicPr>
-        <p:blipFill>
-          <a:blip r:embed="rId2"/>
-          <a:stretch>
-            <a:fillRect/>
-          </a:stretch>
-        </p:blipFill>
-        <p:spPr>
-          <a:xfrm>
-            <a:off x="7493876" y="1758056"/>
-            <a:ext cx="3373820" cy="2460384"/>
-          </a:xfrm>
-          <a:prstGeom prst="rect">
-            <a:avLst/>
-          </a:prstGeom>
-        </p:spPr>
-      </p:pic>
-      <p:grpSp>
-        <p:nvGrpSpPr>
-          <p:cNvPr id="9" name="Group 8">
-            <a:extLst>
-              <a:ext uri="{FF2B5EF4-FFF2-40B4-BE49-F238E27FC236}">
-                <a16:creationId xmlns:a16="http://schemas.microsoft.com/office/drawing/2014/main" id="{96B7E4DF-7DD2-0F4C-BDDC-1B287FA7D508}"/>
-              </a:ext>
-            </a:extLst>
-          </p:cNvPr>
-          <p:cNvGrpSpPr/>
-          <p:nvPr/>
-        </p:nvGrpSpPr>
-        <p:grpSpPr>
-          <a:xfrm>
-            <a:off x="7367751" y="4218440"/>
-            <a:ext cx="3885104" cy="2584617"/>
-            <a:chOff x="7367751" y="4218440"/>
-            <a:chExt cx="3885104" cy="2584617"/>
-          </a:xfrm>
-        </p:grpSpPr>
-        <p:pic>
-          <p:nvPicPr>
-            <p:cNvPr id="7" name="Picture 6">
-              <a:extLst>
-                <a:ext uri="{FF2B5EF4-FFF2-40B4-BE49-F238E27FC236}">
-                  <a16:creationId xmlns:a16="http://schemas.microsoft.com/office/drawing/2014/main" id="{6BCD6EFD-6BE5-F241-9BF2-2C363B6643EF}"/>
-                </a:ext>
-              </a:extLst>
-            </p:cNvPr>
-            <p:cNvPicPr>
-              <a:picLocks noChangeAspect="1"/>
-            </p:cNvPicPr>
-            <p:nvPr/>
-          </p:nvPicPr>
-          <p:blipFill>
-            <a:blip r:embed="rId3"/>
-            <a:stretch>
-              <a:fillRect/>
-            </a:stretch>
-          </p:blipFill>
-          <p:spPr>
-            <a:xfrm>
-              <a:off x="7367751" y="4218440"/>
-              <a:ext cx="3885104" cy="2584617"/>
-            </a:xfrm>
-            <a:prstGeom prst="rect">
-              <a:avLst/>
-            </a:prstGeom>
-          </p:spPr>
-        </p:pic>
-        <p:sp>
-          <p:nvSpPr>
-            <p:cNvPr id="8" name="TextBox 7">
-              <a:extLst>
-                <a:ext uri="{FF2B5EF4-FFF2-40B4-BE49-F238E27FC236}">
-                  <a16:creationId xmlns:a16="http://schemas.microsoft.com/office/drawing/2014/main" id="{A6FFB420-B13E-AF4D-9FB4-348E057436AA}"/>
-                </a:ext>
-              </a:extLst>
-            </p:cNvPr>
-            <p:cNvSpPr txBox="1"/>
-            <p:nvPr/>
-          </p:nvSpPr>
-          <p:spPr>
-            <a:xfrm>
-              <a:off x="8460828" y="5057779"/>
-              <a:ext cx="882869" cy="307777"/>
-            </a:xfrm>
-            <a:prstGeom prst="rect">
-              <a:avLst/>
-            </a:prstGeom>
-            <a:noFill/>
-          </p:spPr>
-          <p:txBody>
-            <a:bodyPr wrap="square" rtlCol="0">
-              <a:spAutoFit/>
-            </a:bodyPr>
-            <a:lstStyle/>
-            <a:p>
-              <a:r>
-                <a:rPr lang="en-US" sz="1400" dirty="0"/>
-                <a:t>12.5% BU</a:t>
-              </a:r>
-            </a:p>
-          </p:txBody>
-        </p:sp>
-      </p:grpSp>
     </p:spTree>
     <p:extLst>
       <p:ext uri="{BB962C8B-B14F-4D97-AF65-F5344CB8AC3E}">
-        <p14:creationId xmlns:p14="http://schemas.microsoft.com/office/powerpoint/2010/main" val="1897239700"/>
+        <p14:creationId xmlns:p14="http://schemas.microsoft.com/office/powerpoint/2010/main" val="2403285330"/>
       </p:ext>
     </p:extLst>
   </p:cSld>
@@ -7904,7 +7905,7 @@
           <p:cNvPr id="2" name="Title 1">
             <a:extLst>
               <a:ext uri="{FF2B5EF4-FFF2-40B4-BE49-F238E27FC236}">
-                <a16:creationId xmlns:a16="http://schemas.microsoft.com/office/drawing/2014/main" id="{0522EF94-E3DD-024B-93DC-361119AD069C}"/>
+                <a16:creationId xmlns:a16="http://schemas.microsoft.com/office/drawing/2014/main" id="{93BFF56A-496A-2047-ADE5-CCF8BA98C8AD}"/>
               </a:ext>
             </a:extLst>
           </p:cNvPr>
@@ -7922,92 +7923,17 @@
           <a:p>
             <a:r>
               <a:rPr lang="en-US" dirty="0"/>
-              <a:t>Metal Fuel</a:t>
-            </a:r>
-          </a:p>
-        </p:txBody>
-      </p:sp>
-      <p:sp>
-        <p:nvSpPr>
-          <p:cNvPr id="3" name="Content Placeholder 2">
-            <a:extLst>
-              <a:ext uri="{FF2B5EF4-FFF2-40B4-BE49-F238E27FC236}">
-                <a16:creationId xmlns:a16="http://schemas.microsoft.com/office/drawing/2014/main" id="{963F151B-437F-8847-B756-69BA20C7CA99}"/>
-              </a:ext>
-            </a:extLst>
-          </p:cNvPr>
-          <p:cNvSpPr>
-            <a:spLocks noGrp="1"/>
-          </p:cNvSpPr>
-          <p:nvPr>
-            <p:ph idx="1"/>
-          </p:nvPr>
-        </p:nvSpPr>
-        <p:spPr>
-          <a:xfrm>
-            <a:off x="609600" y="1968500"/>
-            <a:ext cx="10972800" cy="4157664"/>
-          </a:xfrm>
-        </p:spPr>
-        <p:txBody>
-          <a:bodyPr/>
-          <a:lstStyle/>
-          <a:p>
-            <a:r>
-              <a:rPr lang="en-US" sz="2400" dirty="0"/>
-              <a:t>Introduction</a:t>
-            </a:r>
-          </a:p>
-          <a:p>
-            <a:r>
-              <a:rPr lang="en-US" sz="2400" dirty="0"/>
-              <a:t>Fabrication</a:t>
-            </a:r>
-          </a:p>
-          <a:p>
-            <a:r>
-              <a:rPr lang="en-US" sz="2400" dirty="0"/>
-              <a:t>Constituent Redistribution</a:t>
-            </a:r>
-          </a:p>
-          <a:p>
-            <a:r>
-              <a:rPr lang="en-US" sz="2400" dirty="0"/>
-              <a:t>Swelling and Fission Gas Release</a:t>
-            </a:r>
-          </a:p>
-          <a:p>
-            <a:r>
-              <a:rPr lang="en-US" sz="2400" dirty="0"/>
-              <a:t>FCMI</a:t>
-            </a:r>
-          </a:p>
-          <a:p>
-            <a:r>
-              <a:rPr lang="en-US" sz="2400" dirty="0"/>
-              <a:t>FCCI</a:t>
-            </a:r>
-          </a:p>
-          <a:p>
-            <a:r>
-              <a:rPr lang="en-US" sz="2400" dirty="0"/>
-              <a:t>Fission Product Behavior</a:t>
-            </a:r>
-          </a:p>
-          <a:p>
-            <a:r>
-              <a:rPr lang="en-US" sz="2400" dirty="0"/>
-              <a:t>Factors Controlling Fuel Lifetime</a:t>
-            </a:r>
-          </a:p>
-        </p:txBody>
-      </p:sp>
-      <p:sp>
-        <p:nvSpPr>
-          <p:cNvPr id="4" name="Slide Number Placeholder 3">
-            <a:extLst>
-              <a:ext uri="{FF2B5EF4-FFF2-40B4-BE49-F238E27FC236}">
-                <a16:creationId xmlns:a16="http://schemas.microsoft.com/office/drawing/2014/main" id="{C46B1111-22C8-0742-9715-75D4198888CD}"/>
+              <a:t>Metal fuel fabrication</a:t>
+            </a:r>
+          </a:p>
+        </p:txBody>
+      </p:sp>
+      <p:sp>
+        <p:nvSpPr>
+          <p:cNvPr id="3" name="Slide Number Placeholder 2">
+            <a:extLst>
+              <a:ext uri="{FF2B5EF4-FFF2-40B4-BE49-F238E27FC236}">
+                <a16:creationId xmlns:a16="http://schemas.microsoft.com/office/drawing/2014/main" id="{AB3C08B6-1600-4947-B6F4-BC6C06F3B322}"/>
               </a:ext>
             </a:extLst>
           </p:cNvPr>
@@ -8026,7 +7952,7 @@
             <a:pPr>
               <a:defRPr/>
             </a:pPr>
-            <a:fld id="{3FF2C605-4958-CF43-AA48-80339EFDB0AF}" type="slidenum">
+            <a:fld id="{0DA6BD0F-ABBC-C14D-BC96-77BE126A748B}" type="slidenum">
               <a:rPr lang="en-US" smtClean="0"/>
               <a:pPr>
                 <a:defRPr/>
@@ -8040,7 +7966,7 @@
     </p:spTree>
     <p:extLst>
       <p:ext uri="{BB962C8B-B14F-4D97-AF65-F5344CB8AC3E}">
-        <p14:creationId xmlns:p14="http://schemas.microsoft.com/office/powerpoint/2010/main" val="1566821483"/>
+        <p14:creationId xmlns:p14="http://schemas.microsoft.com/office/powerpoint/2010/main" val="1160038592"/>
       </p:ext>
     </p:extLst>
   </p:cSld>
@@ -8072,7 +7998,7 @@
           <p:cNvPr id="2" name="Title 1">
             <a:extLst>
               <a:ext uri="{FF2B5EF4-FFF2-40B4-BE49-F238E27FC236}">
-                <a16:creationId xmlns:a16="http://schemas.microsoft.com/office/drawing/2014/main" id="{297947CF-EAEA-5F40-93E5-30922295C42A}"/>
+                <a16:creationId xmlns:a16="http://schemas.microsoft.com/office/drawing/2014/main" id="{B96CE851-9CAA-904E-B87E-EDA6E1A4863B}"/>
               </a:ext>
             </a:extLst>
           </p:cNvPr>
@@ -8090,17 +8016,94 @@
           <a:p>
             <a:r>
               <a:rPr lang="en-US" dirty="0"/>
-              <a:t>Mixed oxide fuel</a:t>
-            </a:r>
-          </a:p>
-        </p:txBody>
-      </p:sp>
-      <p:sp>
-        <p:nvSpPr>
-          <p:cNvPr id="3" name="Slide Number Placeholder 2">
-            <a:extLst>
-              <a:ext uri="{FF2B5EF4-FFF2-40B4-BE49-F238E27FC236}">
-                <a16:creationId xmlns:a16="http://schemas.microsoft.com/office/drawing/2014/main" id="{5B3532C3-93BE-7043-BD18-1B055D494CE7}"/>
+              <a:t>Metal Fuel Fabrication</a:t>
+            </a:r>
+          </a:p>
+        </p:txBody>
+      </p:sp>
+      <p:sp>
+        <p:nvSpPr>
+          <p:cNvPr id="3" name="Content Placeholder 2">
+            <a:extLst>
+              <a:ext uri="{FF2B5EF4-FFF2-40B4-BE49-F238E27FC236}">
+                <a16:creationId xmlns:a16="http://schemas.microsoft.com/office/drawing/2014/main" id="{DA5AC39C-F1A3-CA4D-8276-0BBA3895B9A8}"/>
+              </a:ext>
+            </a:extLst>
+          </p:cNvPr>
+          <p:cNvSpPr>
+            <a:spLocks noGrp="1"/>
+          </p:cNvSpPr>
+          <p:nvPr>
+            <p:ph sz="half" idx="1"/>
+          </p:nvPr>
+        </p:nvSpPr>
+        <p:spPr>
+          <a:xfrm>
+            <a:off x="609600" y="1968503"/>
+            <a:ext cx="3888828" cy="4157663"/>
+          </a:xfrm>
+        </p:spPr>
+        <p:txBody>
+          <a:bodyPr/>
+          <a:lstStyle/>
+          <a:p>
+            <a:r>
+              <a:rPr lang="en-US" sz="2400" dirty="0"/>
+              <a:t>Injection casting has been utilized for fuel slug fabrication</a:t>
+            </a:r>
+          </a:p>
+          <a:p>
+            <a:r>
+              <a:rPr lang="en-US" sz="2400" dirty="0"/>
+              <a:t>Remote fabrication has been performed inside a hot cell on recovered uranium</a:t>
+            </a:r>
+          </a:p>
+          <a:p>
+            <a:r>
+              <a:rPr lang="en-US" sz="2400" dirty="0"/>
+              <a:t>Fuel slugs for EBR II and FFTF were fabrication via injection casting</a:t>
+            </a:r>
+          </a:p>
+        </p:txBody>
+      </p:sp>
+      <p:pic>
+        <p:nvPicPr>
+          <p:cNvPr id="6" name="Content Placeholder 5">
+            <a:extLst>
+              <a:ext uri="{FF2B5EF4-FFF2-40B4-BE49-F238E27FC236}">
+                <a16:creationId xmlns:a16="http://schemas.microsoft.com/office/drawing/2014/main" id="{CFF54ABE-B410-0642-A653-583E0EDA6257}"/>
+              </a:ext>
+            </a:extLst>
+          </p:cNvPr>
+          <p:cNvPicPr>
+            <a:picLocks noGrp="1" noChangeAspect="1"/>
+          </p:cNvPicPr>
+          <p:nvPr>
+            <p:ph sz="half" idx="2"/>
+          </p:nvPr>
+        </p:nvPicPr>
+        <p:blipFill>
+          <a:blip r:embed="rId3"/>
+          <a:stretch>
+            <a:fillRect/>
+          </a:stretch>
+        </p:blipFill>
+        <p:spPr>
+          <a:xfrm>
+            <a:off x="4820535" y="1968500"/>
+            <a:ext cx="7205077" cy="3989387"/>
+          </a:xfrm>
+          <a:prstGeom prst="rect">
+            <a:avLst/>
+          </a:prstGeom>
+        </p:spPr>
+      </p:pic>
+      <p:sp>
+        <p:nvSpPr>
+          <p:cNvPr id="5" name="Slide Number Placeholder 4">
+            <a:extLst>
+              <a:ext uri="{FF2B5EF4-FFF2-40B4-BE49-F238E27FC236}">
+                <a16:creationId xmlns:a16="http://schemas.microsoft.com/office/drawing/2014/main" id="{000C07CA-C85C-0E46-83B0-05559C6298A2}"/>
               </a:ext>
             </a:extLst>
           </p:cNvPr>
@@ -8119,7 +8122,7 @@
             <a:pPr>
               <a:defRPr/>
             </a:pPr>
-            <a:fld id="{0DA6BD0F-ABBC-C14D-BC96-77BE126A748B}" type="slidenum">
+            <a:fld id="{EC35E9FC-F6D5-0349-BBED-EA7D7A9BC49B}" type="slidenum">
               <a:rPr lang="en-US" smtClean="0"/>
               <a:pPr>
                 <a:defRPr/>
@@ -8133,7 +8136,7 @@
     </p:spTree>
     <p:extLst>
       <p:ext uri="{BB962C8B-B14F-4D97-AF65-F5344CB8AC3E}">
-        <p14:creationId xmlns:p14="http://schemas.microsoft.com/office/powerpoint/2010/main" val="199015032"/>
+        <p14:creationId xmlns:p14="http://schemas.microsoft.com/office/powerpoint/2010/main" val="1598933308"/>
       </p:ext>
     </p:extLst>
   </p:cSld>
@@ -8165,7 +8168,7 @@
           <p:cNvPr id="2" name="Title 1">
             <a:extLst>
               <a:ext uri="{FF2B5EF4-FFF2-40B4-BE49-F238E27FC236}">
-                <a16:creationId xmlns:a16="http://schemas.microsoft.com/office/drawing/2014/main" id="{0522EF94-E3DD-024B-93DC-361119AD069C}"/>
+                <a16:creationId xmlns:a16="http://schemas.microsoft.com/office/drawing/2014/main" id="{B96CE851-9CAA-904E-B87E-EDA6E1A4863B}"/>
               </a:ext>
             </a:extLst>
           </p:cNvPr>
@@ -8183,7 +8186,7 @@
           <a:p>
             <a:r>
               <a:rPr lang="en-US" dirty="0"/>
-              <a:t>Mixed Oxide (MOX) Fuel</a:t>
+              <a:t>Metal Fuel Fabrication</a:t>
             </a:r>
           </a:p>
         </p:txBody>
@@ -8193,84 +8196,90 @@
           <p:cNvPr id="3" name="Content Placeholder 2">
             <a:extLst>
               <a:ext uri="{FF2B5EF4-FFF2-40B4-BE49-F238E27FC236}">
-                <a16:creationId xmlns:a16="http://schemas.microsoft.com/office/drawing/2014/main" id="{963F151B-437F-8847-B756-69BA20C7CA99}"/>
-              </a:ext>
-            </a:extLst>
-          </p:cNvPr>
-          <p:cNvSpPr>
-            <a:spLocks noGrp="1"/>
-          </p:cNvSpPr>
-          <p:nvPr>
-            <p:ph idx="1"/>
+                <a16:creationId xmlns:a16="http://schemas.microsoft.com/office/drawing/2014/main" id="{DA5AC39C-F1A3-CA4D-8276-0BBA3895B9A8}"/>
+              </a:ext>
+            </a:extLst>
+          </p:cNvPr>
+          <p:cNvSpPr>
+            <a:spLocks noGrp="1"/>
+          </p:cNvSpPr>
+          <p:nvPr>
+            <p:ph sz="half" idx="1"/>
           </p:nvPr>
         </p:nvSpPr>
         <p:spPr>
           <a:xfrm>
-            <a:off x="609600" y="1968500"/>
-            <a:ext cx="10972800" cy="4157664"/>
+            <a:off x="609600" y="1968503"/>
+            <a:ext cx="3888828" cy="4157663"/>
           </a:xfrm>
         </p:spPr>
         <p:txBody>
-          <a:bodyPr>
-            <a:normAutofit/>
-          </a:bodyPr>
+          <a:bodyPr/>
           <a:lstStyle/>
           <a:p>
             <a:r>
               <a:rPr lang="en-US" sz="2400" dirty="0"/>
-              <a:t>Introduction</a:t>
+              <a:t>Starting materials are charged into the graphite crucible in the furnace</a:t>
             </a:r>
           </a:p>
           <a:p>
             <a:r>
               <a:rPr lang="en-US" sz="2400" dirty="0"/>
-              <a:t>Fuel Restructuring</a:t>
+              <a:t>Silica molds with tops closed are set above the crucible</a:t>
             </a:r>
           </a:p>
           <a:p>
             <a:r>
               <a:rPr lang="en-US" sz="2400" dirty="0"/>
-              <a:t>Constituent Redistribution</a:t>
+              <a:t>Crucible is coated with yttria</a:t>
             </a:r>
           </a:p>
           <a:p>
             <a:r>
               <a:rPr lang="en-US" sz="2400" dirty="0"/>
-              <a:t>Geometrical Evolution</a:t>
-            </a:r>
-          </a:p>
-          <a:p>
-            <a:r>
-              <a:rPr lang="en-US" sz="2400" dirty="0"/>
-              <a:t>Evolution of O/M ratio</a:t>
-            </a:r>
-          </a:p>
-          <a:p>
-            <a:r>
-              <a:rPr lang="en-US" sz="2400" dirty="0"/>
-              <a:t>Migration of Fission Products</a:t>
-            </a:r>
-          </a:p>
-          <a:p>
-            <a:r>
-              <a:rPr lang="en-US" sz="2400" dirty="0"/>
-              <a:t>Fission Gas Release</a:t>
-            </a:r>
-          </a:p>
-          <a:p>
-            <a:r>
-              <a:rPr lang="en-US" sz="2400" dirty="0"/>
-              <a:t>Life Limiting Phenomena</a:t>
-            </a:r>
-          </a:p>
-        </p:txBody>
-      </p:sp>
-      <p:sp>
-        <p:nvSpPr>
-          <p:cNvPr id="4" name="Slide Number Placeholder 3">
-            <a:extLst>
-              <a:ext uri="{FF2B5EF4-FFF2-40B4-BE49-F238E27FC236}">
-                <a16:creationId xmlns:a16="http://schemas.microsoft.com/office/drawing/2014/main" id="{98B76452-E83E-1D46-89FB-0F6AE9F222D1}"/>
+              <a:t>Molds coated with zirconia</a:t>
+            </a:r>
+          </a:p>
+        </p:txBody>
+      </p:sp>
+      <p:pic>
+        <p:nvPicPr>
+          <p:cNvPr id="6" name="Content Placeholder 5">
+            <a:extLst>
+              <a:ext uri="{FF2B5EF4-FFF2-40B4-BE49-F238E27FC236}">
+                <a16:creationId xmlns:a16="http://schemas.microsoft.com/office/drawing/2014/main" id="{CFF54ABE-B410-0642-A653-583E0EDA6257}"/>
+              </a:ext>
+            </a:extLst>
+          </p:cNvPr>
+          <p:cNvPicPr>
+            <a:picLocks noGrp="1" noChangeAspect="1"/>
+          </p:cNvPicPr>
+          <p:nvPr>
+            <p:ph sz="half" idx="2"/>
+          </p:nvPr>
+        </p:nvPicPr>
+        <p:blipFill>
+          <a:blip r:embed="rId3"/>
+          <a:stretch>
+            <a:fillRect/>
+          </a:stretch>
+        </p:blipFill>
+        <p:spPr>
+          <a:xfrm>
+            <a:off x="4820535" y="1968500"/>
+            <a:ext cx="7205077" cy="3989387"/>
+          </a:xfrm>
+          <a:prstGeom prst="rect">
+            <a:avLst/>
+          </a:prstGeom>
+        </p:spPr>
+      </p:pic>
+      <p:sp>
+        <p:nvSpPr>
+          <p:cNvPr id="5" name="Slide Number Placeholder 4">
+            <a:extLst>
+              <a:ext uri="{FF2B5EF4-FFF2-40B4-BE49-F238E27FC236}">
+                <a16:creationId xmlns:a16="http://schemas.microsoft.com/office/drawing/2014/main" id="{000C07CA-C85C-0E46-83B0-05559C6298A2}"/>
               </a:ext>
             </a:extLst>
           </p:cNvPr>
@@ -8289,7 +8298,7 @@
             <a:pPr>
               <a:defRPr/>
             </a:pPr>
-            <a:fld id="{3FF2C605-4958-CF43-AA48-80339EFDB0AF}" type="slidenum">
+            <a:fld id="{EC35E9FC-F6D5-0349-BBED-EA7D7A9BC49B}" type="slidenum">
               <a:rPr lang="en-US" smtClean="0"/>
               <a:pPr>
                 <a:defRPr/>
@@ -8303,7 +8312,7 @@
     </p:spTree>
     <p:extLst>
       <p:ext uri="{BB962C8B-B14F-4D97-AF65-F5344CB8AC3E}">
-        <p14:creationId xmlns:p14="http://schemas.microsoft.com/office/powerpoint/2010/main" val="499960615"/>
+        <p14:creationId xmlns:p14="http://schemas.microsoft.com/office/powerpoint/2010/main" val="2982652374"/>
       </p:ext>
     </p:extLst>
   </p:cSld>
@@ -8335,7 +8344,7 @@
           <p:cNvPr id="2" name="Title 1">
             <a:extLst>
               <a:ext uri="{FF2B5EF4-FFF2-40B4-BE49-F238E27FC236}">
-                <a16:creationId xmlns:a16="http://schemas.microsoft.com/office/drawing/2014/main" id="{D979D8F0-6373-E345-8C4D-00903DBA0CE7}"/>
+                <a16:creationId xmlns:a16="http://schemas.microsoft.com/office/drawing/2014/main" id="{B96CE851-9CAA-904E-B87E-EDA6E1A4863B}"/>
               </a:ext>
             </a:extLst>
           </p:cNvPr>
@@ -8353,7 +8362,7 @@
           <a:p>
             <a:r>
               <a:rPr lang="en-US" dirty="0"/>
-              <a:t>MOX Introduction</a:t>
+              <a:t>Metal Fuel Fabrication</a:t>
             </a:r>
           </a:p>
         </p:txBody>
@@ -8363,83 +8372,98 @@
           <p:cNvPr id="3" name="Content Placeholder 2">
             <a:extLst>
               <a:ext uri="{FF2B5EF4-FFF2-40B4-BE49-F238E27FC236}">
-                <a16:creationId xmlns:a16="http://schemas.microsoft.com/office/drawing/2014/main" id="{AEF6B378-35F8-3242-BD7F-AA5805B45888}"/>
-              </a:ext>
-            </a:extLst>
-          </p:cNvPr>
-          <p:cNvSpPr>
-            <a:spLocks noGrp="1"/>
-          </p:cNvSpPr>
-          <p:nvPr>
-            <p:ph idx="1"/>
+                <a16:creationId xmlns:a16="http://schemas.microsoft.com/office/drawing/2014/main" id="{DA5AC39C-F1A3-CA4D-8276-0BBA3895B9A8}"/>
+              </a:ext>
+            </a:extLst>
+          </p:cNvPr>
+          <p:cNvSpPr>
+            <a:spLocks noGrp="1"/>
+          </p:cNvSpPr>
+          <p:nvPr>
+            <p:ph sz="half" idx="1"/>
           </p:nvPr>
         </p:nvSpPr>
         <p:spPr>
           <a:xfrm>
-            <a:off x="609600" y="2280746"/>
-            <a:ext cx="5586805" cy="3845418"/>
+            <a:off x="609599" y="1968503"/>
+            <a:ext cx="4210935" cy="4157663"/>
           </a:xfrm>
         </p:spPr>
         <p:txBody>
-          <a:bodyPr>
-            <a:noAutofit/>
-          </a:bodyPr>
-          <a:lstStyle/>
-          <a:p>
-            <a:r>
-              <a:rPr lang="en-US" sz="2200" dirty="0"/>
-              <a:t>Despite some disadvantages, such as its low U density, poor thermal conductivity, and its chemical reaction with sodium, MOX fuel (</a:t>
-            </a:r>
-            <a:r>
-              <a:rPr lang="en-US" sz="2200" dirty="0" err="1"/>
-              <a:t>U,Pu</a:t>
-            </a:r>
-            <a:r>
-              <a:rPr lang="en-US" sz="2200" dirty="0"/>
-              <a:t>)O2 is the fuel that has been used most in fast reactors</a:t>
-            </a:r>
-          </a:p>
-          <a:p>
-            <a:r>
-              <a:rPr lang="en-US" sz="2200" dirty="0"/>
-              <a:t>In order to avoid the dramatic swelling of metallic fuels, MOX fuels were explored in fast reactors</a:t>
-            </a:r>
-          </a:p>
-          <a:p>
-            <a:r>
-              <a:rPr lang="en-US" sz="2200" dirty="0"/>
-              <a:t>Behavior was observed to be satisfactory and was relatively widely implemented in SFRs</a:t>
-            </a:r>
-          </a:p>
-          <a:p>
-            <a:endParaRPr lang="en-US" sz="2000" dirty="0"/>
+          <a:bodyPr/>
+          <a:lstStyle/>
+          <a:p>
+            <a:r>
+              <a:rPr lang="en-US" sz="2400" dirty="0"/>
+              <a:t>Furnace closed and filled with </a:t>
+            </a:r>
+            <a:r>
+              <a:rPr lang="en-US" sz="2400" dirty="0" err="1"/>
+              <a:t>Ar</a:t>
+            </a:r>
+            <a:r>
+              <a:rPr lang="en-US" sz="2400" dirty="0"/>
+              <a:t> gas</a:t>
+            </a:r>
+          </a:p>
+          <a:p>
+            <a:r>
+              <a:rPr lang="en-US" sz="2400" dirty="0"/>
+              <a:t>Crucible is inductively heated to 1830K, and stirred electromagnetically</a:t>
+            </a:r>
+          </a:p>
+          <a:p>
+            <a:r>
+              <a:rPr lang="en-US" sz="2400" dirty="0" err="1"/>
+              <a:t>Ar</a:t>
+            </a:r>
+            <a:r>
+              <a:rPr lang="en-US" sz="2400" dirty="0"/>
+              <a:t> gas removed, molds are lowered, then </a:t>
+            </a:r>
+            <a:r>
+              <a:rPr lang="en-US" sz="2400" dirty="0" err="1"/>
+              <a:t>Ar</a:t>
+            </a:r>
+            <a:r>
+              <a:rPr lang="en-US" sz="2400" dirty="0"/>
+              <a:t> gas returned</a:t>
+            </a:r>
+          </a:p>
+          <a:p>
+            <a:r>
+              <a:rPr lang="en-US" sz="2400" dirty="0"/>
+              <a:t>Pressure difference injects the melt into the molds</a:t>
+            </a:r>
           </a:p>
         </p:txBody>
       </p:sp>
       <p:pic>
         <p:nvPicPr>
-          <p:cNvPr id="4" name="Picture 3">
-            <a:extLst>
-              <a:ext uri="{FF2B5EF4-FFF2-40B4-BE49-F238E27FC236}">
-                <a16:creationId xmlns:a16="http://schemas.microsoft.com/office/drawing/2014/main" id="{A0F089BA-F450-2445-8287-FAB6FE8B8C61}"/>
+          <p:cNvPr id="6" name="Content Placeholder 5">
+            <a:extLst>
+              <a:ext uri="{FF2B5EF4-FFF2-40B4-BE49-F238E27FC236}">
+                <a16:creationId xmlns:a16="http://schemas.microsoft.com/office/drawing/2014/main" id="{CFF54ABE-B410-0642-A653-583E0EDA6257}"/>
               </a:ext>
             </a:extLst>
           </p:cNvPr>
           <p:cNvPicPr>
-            <a:picLocks noChangeAspect="1"/>
+            <a:picLocks noGrp="1" noChangeAspect="1"/>
           </p:cNvPicPr>
-          <p:nvPr/>
+          <p:nvPr>
+            <p:ph sz="half" idx="2"/>
+          </p:nvPr>
         </p:nvPicPr>
         <p:blipFill>
-          <a:blip r:embed="rId2"/>
+          <a:blip r:embed="rId3"/>
           <a:stretch>
             <a:fillRect/>
           </a:stretch>
         </p:blipFill>
         <p:spPr>
           <a:xfrm>
-            <a:off x="6497619" y="1968500"/>
-            <a:ext cx="5553507" cy="4555611"/>
+            <a:off x="4820535" y="1968500"/>
+            <a:ext cx="7205077" cy="3989387"/>
           </a:xfrm>
           <a:prstGeom prst="rect">
             <a:avLst/>
@@ -8451,7 +8475,7 @@
           <p:cNvPr id="5" name="Slide Number Placeholder 4">
             <a:extLst>
               <a:ext uri="{FF2B5EF4-FFF2-40B4-BE49-F238E27FC236}">
-                <a16:creationId xmlns:a16="http://schemas.microsoft.com/office/drawing/2014/main" id="{D33C6E57-90AD-1244-B19C-60B5F752F204}"/>
+                <a16:creationId xmlns:a16="http://schemas.microsoft.com/office/drawing/2014/main" id="{000C07CA-C85C-0E46-83B0-05559C6298A2}"/>
               </a:ext>
             </a:extLst>
           </p:cNvPr>
@@ -8470,7 +8494,7 @@
             <a:pPr>
               <a:defRPr/>
             </a:pPr>
-            <a:fld id="{3FF2C605-4958-CF43-AA48-80339EFDB0AF}" type="slidenum">
+            <a:fld id="{EC35E9FC-F6D5-0349-BBED-EA7D7A9BC49B}" type="slidenum">
               <a:rPr lang="en-US" smtClean="0"/>
               <a:pPr>
                 <a:defRPr/>
@@ -8484,7 +8508,7 @@
     </p:spTree>
     <p:extLst>
       <p:ext uri="{BB962C8B-B14F-4D97-AF65-F5344CB8AC3E}">
-        <p14:creationId xmlns:p14="http://schemas.microsoft.com/office/powerpoint/2010/main" val="2736021547"/>
+        <p14:creationId xmlns:p14="http://schemas.microsoft.com/office/powerpoint/2010/main" val="1677275465"/>
       </p:ext>
     </p:extLst>
   </p:cSld>
@@ -8516,7 +8540,7 @@
           <p:cNvPr id="2" name="Title 1">
             <a:extLst>
               <a:ext uri="{FF2B5EF4-FFF2-40B4-BE49-F238E27FC236}">
-                <a16:creationId xmlns:a16="http://schemas.microsoft.com/office/drawing/2014/main" id="{23E7DBA4-AD89-0346-B452-4E89E19E69C5}"/>
+                <a16:creationId xmlns:a16="http://schemas.microsoft.com/office/drawing/2014/main" id="{93BFF56A-496A-2047-ADE5-CCF8BA98C8AD}"/>
               </a:ext>
             </a:extLst>
           </p:cNvPr>
@@ -8534,136 +8558,7 @@
           <a:p>
             <a:r>
               <a:rPr lang="en-US" dirty="0"/>
-              <a:t>Geometry</a:t>
-            </a:r>
-          </a:p>
-        </p:txBody>
-      </p:sp>
-      <p:sp>
-        <p:nvSpPr>
-          <p:cNvPr id="3" name="Content Placeholder 2">
-            <a:extLst>
-              <a:ext uri="{FF2B5EF4-FFF2-40B4-BE49-F238E27FC236}">
-                <a16:creationId xmlns:a16="http://schemas.microsoft.com/office/drawing/2014/main" id="{F9406F90-5608-1540-8FED-AC405B45E6ED}"/>
-              </a:ext>
-            </a:extLst>
-          </p:cNvPr>
-          <p:cNvSpPr>
-            <a:spLocks noGrp="1"/>
-          </p:cNvSpPr>
-          <p:nvPr>
-            <p:ph idx="1"/>
-          </p:nvPr>
-        </p:nvSpPr>
-        <p:spPr>
-          <a:xfrm>
-            <a:off x="609600" y="2280746"/>
-            <a:ext cx="6146202" cy="3845418"/>
-          </a:xfrm>
-        </p:spPr>
-        <p:txBody>
-          <a:bodyPr/>
-          <a:lstStyle/>
-          <a:p>
-            <a:r>
-              <a:rPr lang="en-US" dirty="0"/>
-              <a:t>The fuel pin 2–3m long, 5–10mm diameter, clad in a steel tube 0.4–0.6mm thick closed in both ends by welded plugs</a:t>
-            </a:r>
-          </a:p>
-          <a:p>
-            <a:endParaRPr lang="en-US" dirty="0"/>
-          </a:p>
-        </p:txBody>
-      </p:sp>
-      <p:sp>
-        <p:nvSpPr>
-          <p:cNvPr id="4" name="Slide Number Placeholder 3">
-            <a:extLst>
-              <a:ext uri="{FF2B5EF4-FFF2-40B4-BE49-F238E27FC236}">
-                <a16:creationId xmlns:a16="http://schemas.microsoft.com/office/drawing/2014/main" id="{7054A13F-D44B-C844-A82A-3AF7DEB377CA}"/>
-              </a:ext>
-            </a:extLst>
-          </p:cNvPr>
-          <p:cNvSpPr>
-            <a:spLocks noGrp="1"/>
-          </p:cNvSpPr>
-          <p:nvPr>
-            <p:ph type="sldNum" sz="quarter" idx="12"/>
-          </p:nvPr>
-        </p:nvSpPr>
-        <p:spPr/>
-        <p:txBody>
-          <a:bodyPr/>
-          <a:lstStyle/>
-          <a:p>
-            <a:pPr>
-              <a:defRPr/>
-            </a:pPr>
-            <a:fld id="{3FF2C605-4958-CF43-AA48-80339EFDB0AF}" type="slidenum">
-              <a:rPr lang="en-US" smtClean="0"/>
-              <a:pPr>
-                <a:defRPr/>
-              </a:pPr>
-              <a:t>16</a:t>
-            </a:fld>
-            <a:endParaRPr lang="en-US"/>
-          </a:p>
-        </p:txBody>
-      </p:sp>
-    </p:spTree>
-    <p:extLst>
-      <p:ext uri="{BB962C8B-B14F-4D97-AF65-F5344CB8AC3E}">
-        <p14:creationId xmlns:p14="http://schemas.microsoft.com/office/powerpoint/2010/main" val="2241848657"/>
-      </p:ext>
-    </p:extLst>
-  </p:cSld>
-  <p:clrMapOvr>
-    <a:masterClrMapping/>
-  </p:clrMapOvr>
-</p:sld>
-</file>
-
-<file path=ppt/slides/slide17.xml><?xml version="1.0" encoding="utf-8"?>
-<p:sld xmlns:a="http://schemas.openxmlformats.org/drawingml/2006/main" xmlns:r="http://schemas.openxmlformats.org/officeDocument/2006/relationships" xmlns:p="http://schemas.openxmlformats.org/presentationml/2006/main">
-  <p:cSld>
-    <p:spTree>
-      <p:nvGrpSpPr>
-        <p:cNvPr id="1" name=""/>
-        <p:cNvGrpSpPr/>
-        <p:nvPr/>
-      </p:nvGrpSpPr>
-      <p:grpSpPr>
-        <a:xfrm>
-          <a:off x="0" y="0"/>
-          <a:ext cx="0" cy="0"/>
-          <a:chOff x="0" y="0"/>
-          <a:chExt cx="0" cy="0"/>
-        </a:xfrm>
-      </p:grpSpPr>
-      <p:sp>
-        <p:nvSpPr>
-          <p:cNvPr id="2" name="Title 1">
-            <a:extLst>
-              <a:ext uri="{FF2B5EF4-FFF2-40B4-BE49-F238E27FC236}">
-                <a16:creationId xmlns:a16="http://schemas.microsoft.com/office/drawing/2014/main" id="{297947CF-EAEA-5F40-93E5-30922295C42A}"/>
-              </a:ext>
-            </a:extLst>
-          </p:cNvPr>
-          <p:cNvSpPr>
-            <a:spLocks noGrp="1"/>
-          </p:cNvSpPr>
-          <p:nvPr>
-            <p:ph type="title"/>
-          </p:nvPr>
-        </p:nvSpPr>
-        <p:spPr/>
-        <p:txBody>
-          <a:bodyPr/>
-          <a:lstStyle/>
-          <a:p>
-            <a:r>
-              <a:rPr lang="en-US" dirty="0"/>
-              <a:t>Sodium coolant</a:t>
+              <a:t>Questions?</a:t>
             </a:r>
           </a:p>
         </p:txBody>
@@ -8673,7 +8568,7 @@
           <p:cNvPr id="3" name="Slide Number Placeholder 2">
             <a:extLst>
               <a:ext uri="{FF2B5EF4-FFF2-40B4-BE49-F238E27FC236}">
-                <a16:creationId xmlns:a16="http://schemas.microsoft.com/office/drawing/2014/main" id="{8C13F456-584A-824C-B8DE-78755B7103C2}"/>
+                <a16:creationId xmlns:a16="http://schemas.microsoft.com/office/drawing/2014/main" id="{AB3C08B6-1600-4947-B6F4-BC6C06F3B322}"/>
               </a:ext>
             </a:extLst>
           </p:cNvPr>
@@ -8697,7 +8592,7 @@
               <a:pPr>
                 <a:defRPr/>
               </a:pPr>
-              <a:t>17</a:t>
+              <a:t>16</a:t>
             </a:fld>
             <a:endParaRPr lang="en-US"/>
           </a:p>
@@ -8706,221 +8601,7 @@
     </p:spTree>
     <p:extLst>
       <p:ext uri="{BB962C8B-B14F-4D97-AF65-F5344CB8AC3E}">
-        <p14:creationId xmlns:p14="http://schemas.microsoft.com/office/powerpoint/2010/main" val="3558648530"/>
-      </p:ext>
-    </p:extLst>
-  </p:cSld>
-  <p:clrMapOvr>
-    <a:masterClrMapping/>
-  </p:clrMapOvr>
-</p:sld>
-</file>
-
-<file path=ppt/slides/slide18.xml><?xml version="1.0" encoding="utf-8"?>
-<p:sld xmlns:a="http://schemas.openxmlformats.org/drawingml/2006/main" xmlns:r="http://schemas.openxmlformats.org/officeDocument/2006/relationships" xmlns:p="http://schemas.openxmlformats.org/presentationml/2006/main">
-  <p:cSld>
-    <p:spTree>
-      <p:nvGrpSpPr>
-        <p:cNvPr id="1" name=""/>
-        <p:cNvGrpSpPr/>
-        <p:nvPr/>
-      </p:nvGrpSpPr>
-      <p:grpSpPr>
-        <a:xfrm>
-          <a:off x="0" y="0"/>
-          <a:ext cx="0" cy="0"/>
-          <a:chOff x="0" y="0"/>
-          <a:chExt cx="0" cy="0"/>
-        </a:xfrm>
-      </p:grpSpPr>
-      <p:sp>
-        <p:nvSpPr>
-          <p:cNvPr id="2" name="Title 1">
-            <a:extLst>
-              <a:ext uri="{FF2B5EF4-FFF2-40B4-BE49-F238E27FC236}">
-                <a16:creationId xmlns:a16="http://schemas.microsoft.com/office/drawing/2014/main" id="{0522EF94-E3DD-024B-93DC-361119AD069C}"/>
-              </a:ext>
-            </a:extLst>
-          </p:cNvPr>
-          <p:cNvSpPr>
-            <a:spLocks noGrp="1"/>
-          </p:cNvSpPr>
-          <p:nvPr>
-            <p:ph type="title"/>
-          </p:nvPr>
-        </p:nvSpPr>
-        <p:spPr/>
-        <p:txBody>
-          <a:bodyPr/>
-          <a:lstStyle/>
-          <a:p>
-            <a:endParaRPr lang="en-US"/>
-          </a:p>
-        </p:txBody>
-      </p:sp>
-      <p:sp>
-        <p:nvSpPr>
-          <p:cNvPr id="3" name="Content Placeholder 2">
-            <a:extLst>
-              <a:ext uri="{FF2B5EF4-FFF2-40B4-BE49-F238E27FC236}">
-                <a16:creationId xmlns:a16="http://schemas.microsoft.com/office/drawing/2014/main" id="{963F151B-437F-8847-B756-69BA20C7CA99}"/>
-              </a:ext>
-            </a:extLst>
-          </p:cNvPr>
-          <p:cNvSpPr>
-            <a:spLocks noGrp="1"/>
-          </p:cNvSpPr>
-          <p:nvPr>
-            <p:ph idx="1"/>
-          </p:nvPr>
-        </p:nvSpPr>
-        <p:spPr>
-          <a:xfrm>
-            <a:off x="609600" y="1968500"/>
-            <a:ext cx="10972800" cy="4157664"/>
-          </a:xfrm>
-        </p:spPr>
-        <p:txBody>
-          <a:bodyPr/>
-          <a:lstStyle/>
-          <a:p>
-            <a:endParaRPr lang="en-US"/>
-          </a:p>
-        </p:txBody>
-      </p:sp>
-      <p:sp>
-        <p:nvSpPr>
-          <p:cNvPr id="4" name="Slide Number Placeholder 3">
-            <a:extLst>
-              <a:ext uri="{FF2B5EF4-FFF2-40B4-BE49-F238E27FC236}">
-                <a16:creationId xmlns:a16="http://schemas.microsoft.com/office/drawing/2014/main" id="{BD7441DD-D919-724E-8EB3-0E4DA8F27E03}"/>
-              </a:ext>
-            </a:extLst>
-          </p:cNvPr>
-          <p:cNvSpPr>
-            <a:spLocks noGrp="1"/>
-          </p:cNvSpPr>
-          <p:nvPr>
-            <p:ph type="sldNum" sz="quarter" idx="12"/>
-          </p:nvPr>
-        </p:nvSpPr>
-        <p:spPr/>
-        <p:txBody>
-          <a:bodyPr/>
-          <a:lstStyle/>
-          <a:p>
-            <a:pPr>
-              <a:defRPr/>
-            </a:pPr>
-            <a:fld id="{3FF2C605-4958-CF43-AA48-80339EFDB0AF}" type="slidenum">
-              <a:rPr lang="en-US" smtClean="0"/>
-              <a:pPr>
-                <a:defRPr/>
-              </a:pPr>
-              <a:t>18</a:t>
-            </a:fld>
-            <a:endParaRPr lang="en-US"/>
-          </a:p>
-        </p:txBody>
-      </p:sp>
-    </p:spTree>
-    <p:extLst>
-      <p:ext uri="{BB962C8B-B14F-4D97-AF65-F5344CB8AC3E}">
-        <p14:creationId xmlns:p14="http://schemas.microsoft.com/office/powerpoint/2010/main" val="4040218361"/>
-      </p:ext>
-    </p:extLst>
-  </p:cSld>
-  <p:clrMapOvr>
-    <a:masterClrMapping/>
-  </p:clrMapOvr>
-</p:sld>
-</file>
-
-<file path=ppt/slides/slide19.xml><?xml version="1.0" encoding="utf-8"?>
-<p:sld xmlns:a="http://schemas.openxmlformats.org/drawingml/2006/main" xmlns:r="http://schemas.openxmlformats.org/officeDocument/2006/relationships" xmlns:p="http://schemas.openxmlformats.org/presentationml/2006/main">
-  <p:cSld>
-    <p:spTree>
-      <p:nvGrpSpPr>
-        <p:cNvPr id="1" name=""/>
-        <p:cNvGrpSpPr/>
-        <p:nvPr/>
-      </p:nvGrpSpPr>
-      <p:grpSpPr>
-        <a:xfrm>
-          <a:off x="0" y="0"/>
-          <a:ext cx="0" cy="0"/>
-          <a:chOff x="0" y="0"/>
-          <a:chExt cx="0" cy="0"/>
-        </a:xfrm>
-      </p:grpSpPr>
-      <p:sp>
-        <p:nvSpPr>
-          <p:cNvPr id="2" name="Title 1">
-            <a:extLst>
-              <a:ext uri="{FF2B5EF4-FFF2-40B4-BE49-F238E27FC236}">
-                <a16:creationId xmlns:a16="http://schemas.microsoft.com/office/drawing/2014/main" id="{297947CF-EAEA-5F40-93E5-30922295C42A}"/>
-              </a:ext>
-            </a:extLst>
-          </p:cNvPr>
-          <p:cNvSpPr>
-            <a:spLocks noGrp="1"/>
-          </p:cNvSpPr>
-          <p:nvPr>
-            <p:ph type="title"/>
-          </p:nvPr>
-        </p:nvSpPr>
-        <p:spPr/>
-        <p:txBody>
-          <a:bodyPr/>
-          <a:lstStyle/>
-          <a:p>
-            <a:r>
-              <a:rPr lang="en-US" dirty="0" err="1"/>
-              <a:t>pyroprocessing</a:t>
-            </a:r>
-            <a:endParaRPr lang="en-US" dirty="0"/>
-          </a:p>
-        </p:txBody>
-      </p:sp>
-      <p:sp>
-        <p:nvSpPr>
-          <p:cNvPr id="3" name="Slide Number Placeholder 2">
-            <a:extLst>
-              <a:ext uri="{FF2B5EF4-FFF2-40B4-BE49-F238E27FC236}">
-                <a16:creationId xmlns:a16="http://schemas.microsoft.com/office/drawing/2014/main" id="{00A3E40F-C56E-F644-A28B-486A31C78477}"/>
-              </a:ext>
-            </a:extLst>
-          </p:cNvPr>
-          <p:cNvSpPr>
-            <a:spLocks noGrp="1"/>
-          </p:cNvSpPr>
-          <p:nvPr>
-            <p:ph type="sldNum" sz="quarter" idx="12"/>
-          </p:nvPr>
-        </p:nvSpPr>
-        <p:spPr/>
-        <p:txBody>
-          <a:bodyPr/>
-          <a:lstStyle/>
-          <a:p>
-            <a:pPr>
-              <a:defRPr/>
-            </a:pPr>
-            <a:fld id="{0DA6BD0F-ABBC-C14D-BC96-77BE126A748B}" type="slidenum">
-              <a:rPr lang="en-US" smtClean="0"/>
-              <a:pPr>
-                <a:defRPr/>
-              </a:pPr>
-              <a:t>19</a:t>
-            </a:fld>
-            <a:endParaRPr lang="en-US"/>
-          </a:p>
-        </p:txBody>
-      </p:sp>
-    </p:spTree>
-    <p:extLst>
-      <p:ext uri="{BB962C8B-B14F-4D97-AF65-F5344CB8AC3E}">
-        <p14:creationId xmlns:p14="http://schemas.microsoft.com/office/powerpoint/2010/main" val="1674421027"/>
+        <p14:creationId xmlns:p14="http://schemas.microsoft.com/office/powerpoint/2010/main" val="2867231162"/>
       </p:ext>
     </p:extLst>
   </p:cSld>
@@ -9091,459 +8772,6 @@
     <p:extLst>
       <p:ext uri="{BB962C8B-B14F-4D97-AF65-F5344CB8AC3E}">
         <p14:creationId xmlns:p14="http://schemas.microsoft.com/office/powerpoint/2010/main" val="3593380890"/>
-      </p:ext>
-    </p:extLst>
-  </p:cSld>
-  <p:clrMapOvr>
-    <a:masterClrMapping/>
-  </p:clrMapOvr>
-</p:sld>
-</file>
-
-<file path=ppt/slides/slide20.xml><?xml version="1.0" encoding="utf-8"?>
-<p:sld xmlns:a="http://schemas.openxmlformats.org/drawingml/2006/main" xmlns:r="http://schemas.openxmlformats.org/officeDocument/2006/relationships" xmlns:p="http://schemas.openxmlformats.org/presentationml/2006/main">
-  <p:cSld>
-    <p:spTree>
-      <p:nvGrpSpPr>
-        <p:cNvPr id="1" name=""/>
-        <p:cNvGrpSpPr/>
-        <p:nvPr/>
-      </p:nvGrpSpPr>
-      <p:grpSpPr>
-        <a:xfrm>
-          <a:off x="0" y="0"/>
-          <a:ext cx="0" cy="0"/>
-          <a:chOff x="0" y="0"/>
-          <a:chExt cx="0" cy="0"/>
-        </a:xfrm>
-      </p:grpSpPr>
-      <p:sp>
-        <p:nvSpPr>
-          <p:cNvPr id="2" name="Title 1">
-            <a:extLst>
-              <a:ext uri="{FF2B5EF4-FFF2-40B4-BE49-F238E27FC236}">
-                <a16:creationId xmlns:a16="http://schemas.microsoft.com/office/drawing/2014/main" id="{0522EF94-E3DD-024B-93DC-361119AD069C}"/>
-              </a:ext>
-            </a:extLst>
-          </p:cNvPr>
-          <p:cNvSpPr>
-            <a:spLocks noGrp="1"/>
-          </p:cNvSpPr>
-          <p:nvPr>
-            <p:ph type="title"/>
-          </p:nvPr>
-        </p:nvSpPr>
-        <p:spPr/>
-        <p:txBody>
-          <a:bodyPr/>
-          <a:lstStyle/>
-          <a:p>
-            <a:endParaRPr lang="en-US"/>
-          </a:p>
-        </p:txBody>
-      </p:sp>
-      <p:sp>
-        <p:nvSpPr>
-          <p:cNvPr id="3" name="Content Placeholder 2">
-            <a:extLst>
-              <a:ext uri="{FF2B5EF4-FFF2-40B4-BE49-F238E27FC236}">
-                <a16:creationId xmlns:a16="http://schemas.microsoft.com/office/drawing/2014/main" id="{963F151B-437F-8847-B756-69BA20C7CA99}"/>
-              </a:ext>
-            </a:extLst>
-          </p:cNvPr>
-          <p:cNvSpPr>
-            <a:spLocks noGrp="1"/>
-          </p:cNvSpPr>
-          <p:nvPr>
-            <p:ph idx="1"/>
-          </p:nvPr>
-        </p:nvSpPr>
-        <p:spPr>
-          <a:xfrm>
-            <a:off x="609600" y="1968500"/>
-            <a:ext cx="10972800" cy="4157664"/>
-          </a:xfrm>
-        </p:spPr>
-        <p:txBody>
-          <a:bodyPr/>
-          <a:lstStyle/>
-          <a:p>
-            <a:endParaRPr lang="en-US"/>
-          </a:p>
-        </p:txBody>
-      </p:sp>
-      <p:sp>
-        <p:nvSpPr>
-          <p:cNvPr id="4" name="Slide Number Placeholder 3">
-            <a:extLst>
-              <a:ext uri="{FF2B5EF4-FFF2-40B4-BE49-F238E27FC236}">
-                <a16:creationId xmlns:a16="http://schemas.microsoft.com/office/drawing/2014/main" id="{AB8231FD-3B3C-BD44-8C27-85E4B42C5DB7}"/>
-              </a:ext>
-            </a:extLst>
-          </p:cNvPr>
-          <p:cNvSpPr>
-            <a:spLocks noGrp="1"/>
-          </p:cNvSpPr>
-          <p:nvPr>
-            <p:ph type="sldNum" sz="quarter" idx="12"/>
-          </p:nvPr>
-        </p:nvSpPr>
-        <p:spPr/>
-        <p:txBody>
-          <a:bodyPr/>
-          <a:lstStyle/>
-          <a:p>
-            <a:pPr>
-              <a:defRPr/>
-            </a:pPr>
-            <a:fld id="{3FF2C605-4958-CF43-AA48-80339EFDB0AF}" type="slidenum">
-              <a:rPr lang="en-US" smtClean="0"/>
-              <a:pPr>
-                <a:defRPr/>
-              </a:pPr>
-              <a:t>20</a:t>
-            </a:fld>
-            <a:endParaRPr lang="en-US"/>
-          </a:p>
-        </p:txBody>
-      </p:sp>
-    </p:spTree>
-    <p:extLst>
-      <p:ext uri="{BB962C8B-B14F-4D97-AF65-F5344CB8AC3E}">
-        <p14:creationId xmlns:p14="http://schemas.microsoft.com/office/powerpoint/2010/main" val="3902477239"/>
-      </p:ext>
-    </p:extLst>
-  </p:cSld>
-  <p:clrMapOvr>
-    <a:masterClrMapping/>
-  </p:clrMapOvr>
-</p:sld>
-</file>
-
-<file path=ppt/slides/slide21.xml><?xml version="1.0" encoding="utf-8"?>
-<p:sld xmlns:a="http://schemas.openxmlformats.org/drawingml/2006/main" xmlns:r="http://schemas.openxmlformats.org/officeDocument/2006/relationships" xmlns:p="http://schemas.openxmlformats.org/presentationml/2006/main">
-  <p:cSld>
-    <p:spTree>
-      <p:nvGrpSpPr>
-        <p:cNvPr id="1" name=""/>
-        <p:cNvGrpSpPr/>
-        <p:nvPr/>
-      </p:nvGrpSpPr>
-      <p:grpSpPr>
-        <a:xfrm>
-          <a:off x="0" y="0"/>
-          <a:ext cx="0" cy="0"/>
-          <a:chOff x="0" y="0"/>
-          <a:chExt cx="0" cy="0"/>
-        </a:xfrm>
-      </p:grpSpPr>
-      <p:sp>
-        <p:nvSpPr>
-          <p:cNvPr id="2" name="Title 1">
-            <a:extLst>
-              <a:ext uri="{FF2B5EF4-FFF2-40B4-BE49-F238E27FC236}">
-                <a16:creationId xmlns:a16="http://schemas.microsoft.com/office/drawing/2014/main" id="{0522EF94-E3DD-024B-93DC-361119AD069C}"/>
-              </a:ext>
-            </a:extLst>
-          </p:cNvPr>
-          <p:cNvSpPr>
-            <a:spLocks noGrp="1"/>
-          </p:cNvSpPr>
-          <p:nvPr>
-            <p:ph type="title"/>
-          </p:nvPr>
-        </p:nvSpPr>
-        <p:spPr/>
-        <p:txBody>
-          <a:bodyPr/>
-          <a:lstStyle/>
-          <a:p>
-            <a:endParaRPr lang="en-US"/>
-          </a:p>
-        </p:txBody>
-      </p:sp>
-      <p:sp>
-        <p:nvSpPr>
-          <p:cNvPr id="3" name="Content Placeholder 2">
-            <a:extLst>
-              <a:ext uri="{FF2B5EF4-FFF2-40B4-BE49-F238E27FC236}">
-                <a16:creationId xmlns:a16="http://schemas.microsoft.com/office/drawing/2014/main" id="{963F151B-437F-8847-B756-69BA20C7CA99}"/>
-              </a:ext>
-            </a:extLst>
-          </p:cNvPr>
-          <p:cNvSpPr>
-            <a:spLocks noGrp="1"/>
-          </p:cNvSpPr>
-          <p:nvPr>
-            <p:ph idx="1"/>
-          </p:nvPr>
-        </p:nvSpPr>
-        <p:spPr>
-          <a:xfrm>
-            <a:off x="609600" y="1968500"/>
-            <a:ext cx="10972800" cy="4157664"/>
-          </a:xfrm>
-        </p:spPr>
-        <p:txBody>
-          <a:bodyPr/>
-          <a:lstStyle/>
-          <a:p>
-            <a:endParaRPr lang="en-US"/>
-          </a:p>
-        </p:txBody>
-      </p:sp>
-      <p:sp>
-        <p:nvSpPr>
-          <p:cNvPr id="4" name="Slide Number Placeholder 3">
-            <a:extLst>
-              <a:ext uri="{FF2B5EF4-FFF2-40B4-BE49-F238E27FC236}">
-                <a16:creationId xmlns:a16="http://schemas.microsoft.com/office/drawing/2014/main" id="{421C4638-EDC2-E64A-AB01-9D959CDCEA3C}"/>
-              </a:ext>
-            </a:extLst>
-          </p:cNvPr>
-          <p:cNvSpPr>
-            <a:spLocks noGrp="1"/>
-          </p:cNvSpPr>
-          <p:nvPr>
-            <p:ph type="sldNum" sz="quarter" idx="12"/>
-          </p:nvPr>
-        </p:nvSpPr>
-        <p:spPr/>
-        <p:txBody>
-          <a:bodyPr/>
-          <a:lstStyle/>
-          <a:p>
-            <a:pPr>
-              <a:defRPr/>
-            </a:pPr>
-            <a:fld id="{3FF2C605-4958-CF43-AA48-80339EFDB0AF}" type="slidenum">
-              <a:rPr lang="en-US" smtClean="0"/>
-              <a:pPr>
-                <a:defRPr/>
-              </a:pPr>
-              <a:t>21</a:t>
-            </a:fld>
-            <a:endParaRPr lang="en-US"/>
-          </a:p>
-        </p:txBody>
-      </p:sp>
-    </p:spTree>
-    <p:extLst>
-      <p:ext uri="{BB962C8B-B14F-4D97-AF65-F5344CB8AC3E}">
-        <p14:creationId xmlns:p14="http://schemas.microsoft.com/office/powerpoint/2010/main" val="954055543"/>
-      </p:ext>
-    </p:extLst>
-  </p:cSld>
-  <p:clrMapOvr>
-    <a:masterClrMapping/>
-  </p:clrMapOvr>
-</p:sld>
-</file>
-
-<file path=ppt/slides/slide22.xml><?xml version="1.0" encoding="utf-8"?>
-<p:sld xmlns:a="http://schemas.openxmlformats.org/drawingml/2006/main" xmlns:r="http://schemas.openxmlformats.org/officeDocument/2006/relationships" xmlns:p="http://schemas.openxmlformats.org/presentationml/2006/main">
-  <p:cSld>
-    <p:spTree>
-      <p:nvGrpSpPr>
-        <p:cNvPr id="1" name=""/>
-        <p:cNvGrpSpPr/>
-        <p:nvPr/>
-      </p:nvGrpSpPr>
-      <p:grpSpPr>
-        <a:xfrm>
-          <a:off x="0" y="0"/>
-          <a:ext cx="0" cy="0"/>
-          <a:chOff x="0" y="0"/>
-          <a:chExt cx="0" cy="0"/>
-        </a:xfrm>
-      </p:grpSpPr>
-      <p:sp>
-        <p:nvSpPr>
-          <p:cNvPr id="2" name="Title 1">
-            <a:extLst>
-              <a:ext uri="{FF2B5EF4-FFF2-40B4-BE49-F238E27FC236}">
-                <a16:creationId xmlns:a16="http://schemas.microsoft.com/office/drawing/2014/main" id="{0522EF94-E3DD-024B-93DC-361119AD069C}"/>
-              </a:ext>
-            </a:extLst>
-          </p:cNvPr>
-          <p:cNvSpPr>
-            <a:spLocks noGrp="1"/>
-          </p:cNvSpPr>
-          <p:nvPr>
-            <p:ph type="title"/>
-          </p:nvPr>
-        </p:nvSpPr>
-        <p:spPr/>
-        <p:txBody>
-          <a:bodyPr/>
-          <a:lstStyle/>
-          <a:p>
-            <a:endParaRPr lang="en-US"/>
-          </a:p>
-        </p:txBody>
-      </p:sp>
-      <p:sp>
-        <p:nvSpPr>
-          <p:cNvPr id="3" name="Content Placeholder 2">
-            <a:extLst>
-              <a:ext uri="{FF2B5EF4-FFF2-40B4-BE49-F238E27FC236}">
-                <a16:creationId xmlns:a16="http://schemas.microsoft.com/office/drawing/2014/main" id="{963F151B-437F-8847-B756-69BA20C7CA99}"/>
-              </a:ext>
-            </a:extLst>
-          </p:cNvPr>
-          <p:cNvSpPr>
-            <a:spLocks noGrp="1"/>
-          </p:cNvSpPr>
-          <p:nvPr>
-            <p:ph idx="1"/>
-          </p:nvPr>
-        </p:nvSpPr>
-        <p:spPr>
-          <a:xfrm>
-            <a:off x="609600" y="1968500"/>
-            <a:ext cx="10972800" cy="4157664"/>
-          </a:xfrm>
-        </p:spPr>
-        <p:txBody>
-          <a:bodyPr/>
-          <a:lstStyle/>
-          <a:p>
-            <a:endParaRPr lang="en-US"/>
-          </a:p>
-        </p:txBody>
-      </p:sp>
-      <p:sp>
-        <p:nvSpPr>
-          <p:cNvPr id="4" name="Slide Number Placeholder 3">
-            <a:extLst>
-              <a:ext uri="{FF2B5EF4-FFF2-40B4-BE49-F238E27FC236}">
-                <a16:creationId xmlns:a16="http://schemas.microsoft.com/office/drawing/2014/main" id="{DCCB3EB1-E35B-1F47-95B2-0DB471A6D21E}"/>
-              </a:ext>
-            </a:extLst>
-          </p:cNvPr>
-          <p:cNvSpPr>
-            <a:spLocks noGrp="1"/>
-          </p:cNvSpPr>
-          <p:nvPr>
-            <p:ph type="sldNum" sz="quarter" idx="12"/>
-          </p:nvPr>
-        </p:nvSpPr>
-        <p:spPr/>
-        <p:txBody>
-          <a:bodyPr/>
-          <a:lstStyle/>
-          <a:p>
-            <a:pPr>
-              <a:defRPr/>
-            </a:pPr>
-            <a:fld id="{3FF2C605-4958-CF43-AA48-80339EFDB0AF}" type="slidenum">
-              <a:rPr lang="en-US" smtClean="0"/>
-              <a:pPr>
-                <a:defRPr/>
-              </a:pPr>
-              <a:t>22</a:t>
-            </a:fld>
-            <a:endParaRPr lang="en-US"/>
-          </a:p>
-        </p:txBody>
-      </p:sp>
-    </p:spTree>
-    <p:extLst>
-      <p:ext uri="{BB962C8B-B14F-4D97-AF65-F5344CB8AC3E}">
-        <p14:creationId xmlns:p14="http://schemas.microsoft.com/office/powerpoint/2010/main" val="2882394514"/>
-      </p:ext>
-    </p:extLst>
-  </p:cSld>
-  <p:clrMapOvr>
-    <a:masterClrMapping/>
-  </p:clrMapOvr>
-</p:sld>
-</file>
-
-<file path=ppt/slides/slide23.xml><?xml version="1.0" encoding="utf-8"?>
-<p:sld xmlns:a="http://schemas.openxmlformats.org/drawingml/2006/main" xmlns:r="http://schemas.openxmlformats.org/officeDocument/2006/relationships" xmlns:p="http://schemas.openxmlformats.org/presentationml/2006/main">
-  <p:cSld>
-    <p:spTree>
-      <p:nvGrpSpPr>
-        <p:cNvPr id="1" name=""/>
-        <p:cNvGrpSpPr/>
-        <p:nvPr/>
-      </p:nvGrpSpPr>
-      <p:grpSpPr>
-        <a:xfrm>
-          <a:off x="0" y="0"/>
-          <a:ext cx="0" cy="0"/>
-          <a:chOff x="0" y="0"/>
-          <a:chExt cx="0" cy="0"/>
-        </a:xfrm>
-      </p:grpSpPr>
-      <p:sp>
-        <p:nvSpPr>
-          <p:cNvPr id="2" name="Title 1">
-            <a:extLst>
-              <a:ext uri="{FF2B5EF4-FFF2-40B4-BE49-F238E27FC236}">
-                <a16:creationId xmlns:a16="http://schemas.microsoft.com/office/drawing/2014/main" id="{93BFF56A-496A-2047-ADE5-CCF8BA98C8AD}"/>
-              </a:ext>
-            </a:extLst>
-          </p:cNvPr>
-          <p:cNvSpPr>
-            <a:spLocks noGrp="1"/>
-          </p:cNvSpPr>
-          <p:nvPr>
-            <p:ph type="title"/>
-          </p:nvPr>
-        </p:nvSpPr>
-        <p:spPr/>
-        <p:txBody>
-          <a:bodyPr/>
-          <a:lstStyle/>
-          <a:p>
-            <a:r>
-              <a:rPr lang="en-US" dirty="0"/>
-              <a:t>Questions?</a:t>
-            </a:r>
-          </a:p>
-        </p:txBody>
-      </p:sp>
-      <p:sp>
-        <p:nvSpPr>
-          <p:cNvPr id="3" name="Slide Number Placeholder 2">
-            <a:extLst>
-              <a:ext uri="{FF2B5EF4-FFF2-40B4-BE49-F238E27FC236}">
-                <a16:creationId xmlns:a16="http://schemas.microsoft.com/office/drawing/2014/main" id="{AB3C08B6-1600-4947-B6F4-BC6C06F3B322}"/>
-              </a:ext>
-            </a:extLst>
-          </p:cNvPr>
-          <p:cNvSpPr>
-            <a:spLocks noGrp="1"/>
-          </p:cNvSpPr>
-          <p:nvPr>
-            <p:ph type="sldNum" sz="quarter" idx="12"/>
-          </p:nvPr>
-        </p:nvSpPr>
-        <p:spPr/>
-        <p:txBody>
-          <a:bodyPr/>
-          <a:lstStyle/>
-          <a:p>
-            <a:pPr>
-              <a:defRPr/>
-            </a:pPr>
-            <a:fld id="{0DA6BD0F-ABBC-C14D-BC96-77BE126A748B}" type="slidenum">
-              <a:rPr lang="en-US" smtClean="0"/>
-              <a:pPr>
-                <a:defRPr/>
-              </a:pPr>
-              <a:t>23</a:t>
-            </a:fld>
-            <a:endParaRPr lang="en-US"/>
-          </a:p>
-        </p:txBody>
-      </p:sp>
-    </p:spTree>
-    <p:extLst>
-      <p:ext uri="{BB962C8B-B14F-4D97-AF65-F5344CB8AC3E}">
-        <p14:creationId xmlns:p14="http://schemas.microsoft.com/office/powerpoint/2010/main" val="2867231162"/>
       </p:ext>
     </p:extLst>
   </p:cSld>
@@ -9768,7 +8996,7 @@
           <a:p>
             <a:r>
               <a:rPr lang="en-US" dirty="0"/>
-              <a:t>Fuel-Cladding Chemical Interaction</a:t>
+              <a:t>FCCI Compositions</a:t>
             </a:r>
           </a:p>
         </p:txBody>
@@ -9789,40 +9017,92 @@
             <p:ph sz="half" idx="1"/>
           </p:nvPr>
         </p:nvSpPr>
-        <p:spPr/>
-        <p:txBody>
-          <a:bodyPr/>
-          <a:lstStyle/>
-          <a:p>
-            <a:endParaRPr lang="en-US"/>
-          </a:p>
-        </p:txBody>
-      </p:sp>
-      <p:sp>
-        <p:nvSpPr>
-          <p:cNvPr id="4" name="Content Placeholder 3">
-            <a:extLst>
-              <a:ext uri="{FF2B5EF4-FFF2-40B4-BE49-F238E27FC236}">
-                <a16:creationId xmlns:a16="http://schemas.microsoft.com/office/drawing/2014/main" id="{C4C4B5E7-502E-DD49-9FE4-9B0BB6454BF6}"/>
-              </a:ext>
-            </a:extLst>
-          </p:cNvPr>
-          <p:cNvSpPr>
-            <a:spLocks noGrp="1"/>
-          </p:cNvSpPr>
+        <p:spPr>
+          <a:xfrm>
+            <a:off x="609600" y="1968503"/>
+            <a:ext cx="7830207" cy="4157663"/>
+          </a:xfrm>
+        </p:spPr>
+        <p:txBody>
+          <a:bodyPr/>
+          <a:lstStyle/>
+          <a:p>
+            <a:r>
+              <a:rPr lang="en-US" sz="2200" dirty="0"/>
+              <a:t>Fe and Cr are the major constituents in HT-9 cladding and should show up as major constituents in the FCCI zones of irradiated HT-9-clad fuel elements</a:t>
+            </a:r>
+          </a:p>
+          <a:p>
+            <a:r>
+              <a:rPr lang="en-US" sz="2200" dirty="0"/>
+              <a:t>For D9-clad fuel elements, Fe, Ni, and Cr are major constituents that should be present in FCCI zones</a:t>
+            </a:r>
+          </a:p>
+          <a:p>
+            <a:r>
+              <a:rPr lang="en-US" sz="2200" dirty="0"/>
+              <a:t>There have been some irradiated fuel samples that were specifically destructively analyzed to observe FCCI</a:t>
+            </a:r>
+          </a:p>
+          <a:p>
+            <a:r>
+              <a:rPr lang="en-US" sz="2200" dirty="0"/>
+              <a:t>The lowest and highest determined temperatures at the fuel–cladding interface were 540 and 660 C, respectively</a:t>
+            </a:r>
+          </a:p>
+          <a:p>
+            <a:r>
+              <a:rPr lang="en-US" sz="2200" dirty="0"/>
+              <a:t>The thickest interaction zone measured was 170 </a:t>
+            </a:r>
+            <a:r>
+              <a:rPr lang="en-US" sz="2200" dirty="0">
+                <a:latin typeface="Symbol" pitchFamily="2" charset="2"/>
+              </a:rPr>
+              <a:t>m</a:t>
+            </a:r>
+            <a:r>
+              <a:rPr lang="en-US" sz="2200" dirty="0"/>
+              <a:t>m, and the lanthanide fission products were the primary fuel constituents observed in the interaction layers</a:t>
+            </a:r>
+          </a:p>
+          <a:p>
+            <a:endParaRPr lang="en-US" sz="2200" dirty="0"/>
+          </a:p>
+        </p:txBody>
+      </p:sp>
+      <p:pic>
+        <p:nvPicPr>
+          <p:cNvPr id="6" name="Content Placeholder 5">
+            <a:extLst>
+              <a:ext uri="{FF2B5EF4-FFF2-40B4-BE49-F238E27FC236}">
+                <a16:creationId xmlns:a16="http://schemas.microsoft.com/office/drawing/2014/main" id="{123AA60A-924B-9B4D-8A35-3C93BB503461}"/>
+              </a:ext>
+            </a:extLst>
+          </p:cNvPr>
+          <p:cNvPicPr>
+            <a:picLocks noGrp="1" noChangeAspect="1"/>
+          </p:cNvPicPr>
           <p:nvPr>
             <p:ph sz="half" idx="2"/>
           </p:nvPr>
-        </p:nvSpPr>
-        <p:spPr/>
-        <p:txBody>
-          <a:bodyPr/>
-          <a:lstStyle/>
-          <a:p>
-            <a:endParaRPr lang="en-US"/>
-          </a:p>
-        </p:txBody>
-      </p:sp>
+        </p:nvPicPr>
+        <p:blipFill>
+          <a:blip r:embed="rId2"/>
+          <a:stretch>
+            <a:fillRect/>
+          </a:stretch>
+        </p:blipFill>
+        <p:spPr>
+          <a:xfrm>
+            <a:off x="8545676" y="2727302"/>
+            <a:ext cx="3228647" cy="2450878"/>
+          </a:xfrm>
+          <a:prstGeom prst="rect">
+            <a:avLst/>
+          </a:prstGeom>
+        </p:spPr>
+      </p:pic>
       <p:sp>
         <p:nvSpPr>
           <p:cNvPr id="5" name="Slide Number Placeholder 4">
@@ -9854,7 +9134,7 @@
               </a:pPr>
               <a:t>4</a:t>
             </a:fld>
-            <a:endParaRPr lang="en-US"/>
+            <a:endParaRPr lang="en-US" dirty="0"/>
           </a:p>
         </p:txBody>
       </p:sp>
@@ -9893,7 +9173,7 @@
           <p:cNvPr id="2" name="Title 1">
             <a:extLst>
               <a:ext uri="{FF2B5EF4-FFF2-40B4-BE49-F238E27FC236}">
-                <a16:creationId xmlns:a16="http://schemas.microsoft.com/office/drawing/2014/main" id="{B96CE851-9CAA-904E-B87E-EDA6E1A4863B}"/>
+                <a16:creationId xmlns:a16="http://schemas.microsoft.com/office/drawing/2014/main" id="{FEFA2CB7-6757-0A46-B980-78D171F06EE0}"/>
               </a:ext>
             </a:extLst>
           </p:cNvPr>
@@ -9911,94 +9191,17 @@
           <a:p>
             <a:r>
               <a:rPr lang="en-US" dirty="0"/>
-              <a:t>Metal Fuel Fabrication</a:t>
-            </a:r>
-          </a:p>
-        </p:txBody>
-      </p:sp>
-      <p:sp>
-        <p:nvSpPr>
-          <p:cNvPr id="3" name="Content Placeholder 2">
-            <a:extLst>
-              <a:ext uri="{FF2B5EF4-FFF2-40B4-BE49-F238E27FC236}">
-                <a16:creationId xmlns:a16="http://schemas.microsoft.com/office/drawing/2014/main" id="{DA5AC39C-F1A3-CA4D-8276-0BBA3895B9A8}"/>
-              </a:ext>
-            </a:extLst>
-          </p:cNvPr>
-          <p:cNvSpPr>
-            <a:spLocks noGrp="1"/>
-          </p:cNvSpPr>
-          <p:nvPr>
-            <p:ph sz="half" idx="1"/>
-          </p:nvPr>
-        </p:nvSpPr>
-        <p:spPr>
-          <a:xfrm>
-            <a:off x="609600" y="1968503"/>
-            <a:ext cx="3888828" cy="4157663"/>
-          </a:xfrm>
-        </p:spPr>
-        <p:txBody>
-          <a:bodyPr/>
-          <a:lstStyle/>
-          <a:p>
-            <a:r>
-              <a:rPr lang="en-US" sz="2400" dirty="0"/>
-              <a:t>Injection casting has been utilized for fuel slug fabrication</a:t>
-            </a:r>
-          </a:p>
-          <a:p>
-            <a:r>
-              <a:rPr lang="en-US" sz="2400" dirty="0"/>
-              <a:t>Remote fabrication has been performed inside a hot cell on recovered uranium</a:t>
-            </a:r>
-          </a:p>
-          <a:p>
-            <a:r>
-              <a:rPr lang="en-US" sz="2400" dirty="0"/>
-              <a:t>Fuel slugs for EBR II and FFTF were fabrication via injection casting</a:t>
-            </a:r>
-          </a:p>
-        </p:txBody>
-      </p:sp>
-      <p:pic>
-        <p:nvPicPr>
-          <p:cNvPr id="6" name="Content Placeholder 5">
-            <a:extLst>
-              <a:ext uri="{FF2B5EF4-FFF2-40B4-BE49-F238E27FC236}">
-                <a16:creationId xmlns:a16="http://schemas.microsoft.com/office/drawing/2014/main" id="{CFF54ABE-B410-0642-A653-583E0EDA6257}"/>
-              </a:ext>
-            </a:extLst>
-          </p:cNvPr>
-          <p:cNvPicPr>
-            <a:picLocks noGrp="1" noChangeAspect="1"/>
-          </p:cNvPicPr>
-          <p:nvPr>
-            <p:ph sz="half" idx="2"/>
-          </p:nvPr>
-        </p:nvPicPr>
-        <p:blipFill>
-          <a:blip r:embed="rId3"/>
-          <a:stretch>
-            <a:fillRect/>
-          </a:stretch>
-        </p:blipFill>
-        <p:spPr>
-          <a:xfrm>
-            <a:off x="4820535" y="1968500"/>
-            <a:ext cx="7205077" cy="3989387"/>
-          </a:xfrm>
-          <a:prstGeom prst="rect">
-            <a:avLst/>
-          </a:prstGeom>
-        </p:spPr>
-      </p:pic>
+              <a:t>FCCI Examinations</a:t>
+            </a:r>
+          </a:p>
+        </p:txBody>
+      </p:sp>
       <p:sp>
         <p:nvSpPr>
           <p:cNvPr id="5" name="Slide Number Placeholder 4">
             <a:extLst>
               <a:ext uri="{FF2B5EF4-FFF2-40B4-BE49-F238E27FC236}">
-                <a16:creationId xmlns:a16="http://schemas.microsoft.com/office/drawing/2014/main" id="{000C07CA-C85C-0E46-83B0-05559C6298A2}"/>
+                <a16:creationId xmlns:a16="http://schemas.microsoft.com/office/drawing/2014/main" id="{93603850-C133-1B42-8F9D-DDA2FF39BC20}"/>
               </a:ext>
             </a:extLst>
           </p:cNvPr>
@@ -10028,10 +9231,40 @@
           </a:p>
         </p:txBody>
       </p:sp>
+      <p:pic>
+        <p:nvPicPr>
+          <p:cNvPr id="8" name="Picture 7">
+            <a:extLst>
+              <a:ext uri="{FF2B5EF4-FFF2-40B4-BE49-F238E27FC236}">
+                <a16:creationId xmlns:a16="http://schemas.microsoft.com/office/drawing/2014/main" id="{03CC4FEE-5E4B-4648-BAD0-93AD88FDE83D}"/>
+              </a:ext>
+            </a:extLst>
+          </p:cNvPr>
+          <p:cNvPicPr>
+            <a:picLocks noChangeAspect="1"/>
+          </p:cNvPicPr>
+          <p:nvPr/>
+        </p:nvPicPr>
+        <p:blipFill>
+          <a:blip r:embed="rId2"/>
+          <a:stretch>
+            <a:fillRect/>
+          </a:stretch>
+        </p:blipFill>
+        <p:spPr>
+          <a:xfrm>
+            <a:off x="2033887" y="1756041"/>
+            <a:ext cx="8124226" cy="4965436"/>
+          </a:xfrm>
+          <a:prstGeom prst="rect">
+            <a:avLst/>
+          </a:prstGeom>
+        </p:spPr>
+      </p:pic>
     </p:spTree>
     <p:extLst>
       <p:ext uri="{BB962C8B-B14F-4D97-AF65-F5344CB8AC3E}">
-        <p14:creationId xmlns:p14="http://schemas.microsoft.com/office/powerpoint/2010/main" val="1598933308"/>
+        <p14:creationId xmlns:p14="http://schemas.microsoft.com/office/powerpoint/2010/main" val="2137795158"/>
       </p:ext>
     </p:extLst>
   </p:cSld>
@@ -10063,7 +9296,7 @@
           <p:cNvPr id="2" name="Title 1">
             <a:extLst>
               <a:ext uri="{FF2B5EF4-FFF2-40B4-BE49-F238E27FC236}">
-                <a16:creationId xmlns:a16="http://schemas.microsoft.com/office/drawing/2014/main" id="{B96CE851-9CAA-904E-B87E-EDA6E1A4863B}"/>
+                <a16:creationId xmlns:a16="http://schemas.microsoft.com/office/drawing/2014/main" id="{F51FC6E9-00C8-9843-9251-F723AE8FA04B}"/>
               </a:ext>
             </a:extLst>
           </p:cNvPr>
@@ -10081,7 +9314,7 @@
           <a:p>
             <a:r>
               <a:rPr lang="en-US" dirty="0"/>
-              <a:t>Metal Fuel Fabrication</a:t>
+              <a:t>FCCI Compositions</a:t>
             </a:r>
           </a:p>
         </p:txBody>
@@ -10091,7 +9324,7 @@
           <p:cNvPr id="3" name="Content Placeholder 2">
             <a:extLst>
               <a:ext uri="{FF2B5EF4-FFF2-40B4-BE49-F238E27FC236}">
-                <a16:creationId xmlns:a16="http://schemas.microsoft.com/office/drawing/2014/main" id="{DA5AC39C-F1A3-CA4D-8276-0BBA3895B9A8}"/>
+                <a16:creationId xmlns:a16="http://schemas.microsoft.com/office/drawing/2014/main" id="{B7882736-56D1-444D-AC5D-65EA56DDB895}"/>
               </a:ext>
             </a:extLst>
           </p:cNvPr>
@@ -10102,79 +9335,39 @@
             <p:ph sz="half" idx="1"/>
           </p:nvPr>
         </p:nvSpPr>
-        <p:spPr>
-          <a:xfrm>
-            <a:off x="609600" y="1968503"/>
-            <a:ext cx="3888828" cy="4157663"/>
-          </a:xfrm>
-        </p:spPr>
+        <p:spPr/>
         <p:txBody>
           <a:bodyPr/>
           <a:lstStyle/>
           <a:p>
             <a:r>
               <a:rPr lang="en-US" sz="2400" dirty="0"/>
-              <a:t>Starting materials are charged into the graphite crucible in the furnace</a:t>
+              <a:t>Element DP-16 was the only fuel element in which a sample was generated for analysis using SEM/EDS, in addition to the more typical OM and EPMA analyses usually performed on fuel elements</a:t>
             </a:r>
           </a:p>
           <a:p>
             <a:r>
               <a:rPr lang="en-US" sz="2400" dirty="0"/>
-              <a:t>Silica molds with tops closed are set above the crucible</a:t>
+              <a:t>U-16Pu-23Zr and HT-9 cladding</a:t>
             </a:r>
           </a:p>
           <a:p>
             <a:r>
               <a:rPr lang="en-US" sz="2400" dirty="0"/>
-              <a:t>Crucible is coated with yttria</a:t>
-            </a:r>
-          </a:p>
-          <a:p>
-            <a:r>
-              <a:rPr lang="en-US" sz="2400" dirty="0"/>
-              <a:t>Molds coated with zirconia</a:t>
-            </a:r>
-          </a:p>
-        </p:txBody>
-      </p:sp>
-      <p:pic>
-        <p:nvPicPr>
-          <p:cNvPr id="6" name="Content Placeholder 5">
-            <a:extLst>
-              <a:ext uri="{FF2B5EF4-FFF2-40B4-BE49-F238E27FC236}">
-                <a16:creationId xmlns:a16="http://schemas.microsoft.com/office/drawing/2014/main" id="{CFF54ABE-B410-0642-A653-583E0EDA6257}"/>
-              </a:ext>
-            </a:extLst>
-          </p:cNvPr>
-          <p:cNvPicPr>
-            <a:picLocks noGrp="1" noChangeAspect="1"/>
-          </p:cNvPicPr>
-          <p:nvPr>
-            <p:ph sz="half" idx="2"/>
-          </p:nvPr>
-        </p:nvPicPr>
-        <p:blipFill>
-          <a:blip r:embed="rId3"/>
-          <a:stretch>
-            <a:fillRect/>
-          </a:stretch>
-        </p:blipFill>
-        <p:spPr>
-          <a:xfrm>
-            <a:off x="4820535" y="1968500"/>
-            <a:ext cx="7205077" cy="3989387"/>
-          </a:xfrm>
-          <a:prstGeom prst="rect">
-            <a:avLst/>
-          </a:prstGeom>
-        </p:spPr>
-      </p:pic>
+              <a:t>X-ray analysis maps at the right</a:t>
+            </a:r>
+          </a:p>
+          <a:p>
+            <a:endParaRPr lang="en-US" sz="2400" dirty="0"/>
+          </a:p>
+        </p:txBody>
+      </p:sp>
       <p:sp>
         <p:nvSpPr>
           <p:cNvPr id="5" name="Slide Number Placeholder 4">
             <a:extLst>
               <a:ext uri="{FF2B5EF4-FFF2-40B4-BE49-F238E27FC236}">
-                <a16:creationId xmlns:a16="http://schemas.microsoft.com/office/drawing/2014/main" id="{000C07CA-C85C-0E46-83B0-05559C6298A2}"/>
+                <a16:creationId xmlns:a16="http://schemas.microsoft.com/office/drawing/2014/main" id="{D2796F3F-B650-5D46-B2E8-8AA1D3A287BF}"/>
               </a:ext>
             </a:extLst>
           </p:cNvPr>
@@ -10204,10 +9397,110 @@
           </a:p>
         </p:txBody>
       </p:sp>
+      <p:pic>
+        <p:nvPicPr>
+          <p:cNvPr id="6" name="Picture 5">
+            <a:extLst>
+              <a:ext uri="{FF2B5EF4-FFF2-40B4-BE49-F238E27FC236}">
+                <a16:creationId xmlns:a16="http://schemas.microsoft.com/office/drawing/2014/main" id="{D96BE436-DEAA-094F-A5E7-4F9B9DEB1BCE}"/>
+              </a:ext>
+            </a:extLst>
+          </p:cNvPr>
+          <p:cNvPicPr>
+            <a:picLocks noChangeAspect="1"/>
+          </p:cNvPicPr>
+          <p:nvPr/>
+        </p:nvPicPr>
+        <p:blipFill>
+          <a:blip r:embed="rId2"/>
+          <a:stretch>
+            <a:fillRect/>
+          </a:stretch>
+        </p:blipFill>
+        <p:spPr>
+          <a:xfrm>
+            <a:off x="643104" y="5772600"/>
+            <a:ext cx="5917483" cy="274320"/>
+          </a:xfrm>
+          <a:prstGeom prst="rect">
+            <a:avLst/>
+          </a:prstGeom>
+        </p:spPr>
+      </p:pic>
+      <p:pic>
+        <p:nvPicPr>
+          <p:cNvPr id="10" name="Picture 9">
+            <a:extLst>
+              <a:ext uri="{FF2B5EF4-FFF2-40B4-BE49-F238E27FC236}">
+                <a16:creationId xmlns:a16="http://schemas.microsoft.com/office/drawing/2014/main" id="{52902A3A-2A56-3046-B53F-CDE59145D7A7}"/>
+              </a:ext>
+            </a:extLst>
+          </p:cNvPr>
+          <p:cNvPicPr>
+            <a:picLocks noChangeAspect="1"/>
+          </p:cNvPicPr>
+          <p:nvPr/>
+        </p:nvPicPr>
+        <p:blipFill>
+          <a:blip r:embed="rId3"/>
+          <a:stretch>
+            <a:fillRect/>
+          </a:stretch>
+        </p:blipFill>
+        <p:spPr>
+          <a:xfrm>
+            <a:off x="7238607" y="1778930"/>
+            <a:ext cx="2997985" cy="4945229"/>
+          </a:xfrm>
+          <a:prstGeom prst="rect">
+            <a:avLst/>
+          </a:prstGeom>
+        </p:spPr>
+      </p:pic>
+      <p:sp>
+        <p:nvSpPr>
+          <p:cNvPr id="11" name="Rectangle 10">
+            <a:extLst>
+              <a:ext uri="{FF2B5EF4-FFF2-40B4-BE49-F238E27FC236}">
+                <a16:creationId xmlns:a16="http://schemas.microsoft.com/office/drawing/2014/main" id="{1329AAE4-FE33-4149-904E-20FA3B58B45E}"/>
+              </a:ext>
+            </a:extLst>
+          </p:cNvPr>
+          <p:cNvSpPr/>
+          <p:nvPr/>
+        </p:nvSpPr>
+        <p:spPr>
+          <a:xfrm>
+            <a:off x="10379895" y="3423762"/>
+            <a:ext cx="939746" cy="1477328"/>
+          </a:xfrm>
+          <a:prstGeom prst="rect">
+            <a:avLst/>
+          </a:prstGeom>
+        </p:spPr>
+        <p:txBody>
+          <a:bodyPr wrap="square">
+            <a:spAutoFit/>
+          </a:bodyPr>
+          <a:lstStyle/>
+          <a:p>
+            <a:r>
+              <a:rPr lang="en-US" dirty="0">
+                <a:latin typeface="Helvetica" pitchFamily="2" charset="0"/>
+              </a:rPr>
+              <a:t>(b) U, (c) Pu, (d) Zr, (e) Fe, (f) Cr</a:t>
+            </a:r>
+            <a:endParaRPr lang="en-US" dirty="0">
+              <a:effectLst/>
+              <a:latin typeface="Helvetica" pitchFamily="2" charset="0"/>
+            </a:endParaRPr>
+          </a:p>
+        </p:txBody>
+      </p:sp>
     </p:spTree>
     <p:extLst>
       <p:ext uri="{BB962C8B-B14F-4D97-AF65-F5344CB8AC3E}">
-        <p14:creationId xmlns:p14="http://schemas.microsoft.com/office/powerpoint/2010/main" val="2982652374"/>
+        <p14:creationId xmlns:p14="http://schemas.microsoft.com/office/powerpoint/2010/main" val="3961677287"/>
       </p:ext>
     </p:extLst>
   </p:cSld>
@@ -10239,7 +9532,7 @@
           <p:cNvPr id="2" name="Title 1">
             <a:extLst>
               <a:ext uri="{FF2B5EF4-FFF2-40B4-BE49-F238E27FC236}">
-                <a16:creationId xmlns:a16="http://schemas.microsoft.com/office/drawing/2014/main" id="{B96CE851-9CAA-904E-B87E-EDA6E1A4863B}"/>
+                <a16:creationId xmlns:a16="http://schemas.microsoft.com/office/drawing/2014/main" id="{9EBCB6F7-DE44-A54E-850E-9A7F2F104817}"/>
               </a:ext>
             </a:extLst>
           </p:cNvPr>
@@ -10257,7 +9550,7 @@
           <a:p>
             <a:r>
               <a:rPr lang="en-US" dirty="0"/>
-              <a:t>Metal Fuel Fabrication</a:t>
+              <a:t>FCCI Compositions</a:t>
             </a:r>
           </a:p>
         </p:txBody>
@@ -10267,7 +9560,7 @@
           <p:cNvPr id="3" name="Content Placeholder 2">
             <a:extLst>
               <a:ext uri="{FF2B5EF4-FFF2-40B4-BE49-F238E27FC236}">
-                <a16:creationId xmlns:a16="http://schemas.microsoft.com/office/drawing/2014/main" id="{DA5AC39C-F1A3-CA4D-8276-0BBA3895B9A8}"/>
+                <a16:creationId xmlns:a16="http://schemas.microsoft.com/office/drawing/2014/main" id="{439777E0-E28C-5749-96FE-4CB7D8E97031}"/>
               </a:ext>
             </a:extLst>
           </p:cNvPr>
@@ -10280,8 +9573,8 @@
         </p:nvSpPr>
         <p:spPr>
           <a:xfrm>
-            <a:off x="609599" y="1968503"/>
-            <a:ext cx="4210935" cy="4157663"/>
+            <a:off x="609600" y="1968503"/>
+            <a:ext cx="4886972" cy="4157663"/>
           </a:xfrm>
         </p:spPr>
         <p:txBody>
@@ -10290,55 +9583,41 @@
           <a:p>
             <a:r>
               <a:rPr lang="en-US" sz="2400" dirty="0"/>
-              <a:t>Furnace closed and filled with </a:t>
-            </a:r>
-            <a:r>
-              <a:rPr lang="en-US" sz="2400" dirty="0" err="1"/>
-              <a:t>Ar</a:t>
-            </a:r>
+              <a:t>X-ray map for fission products</a:t>
+            </a:r>
+          </a:p>
+          <a:p>
             <a:r>
               <a:rPr lang="en-US" sz="2400" dirty="0"/>
-              <a:t> gas</a:t>
+              <a:t>EPMA analysis for key species</a:t>
             </a:r>
           </a:p>
           <a:p>
             <a:r>
               <a:rPr lang="en-US" sz="2400" dirty="0"/>
-              <a:t>Crucible is inductively heated to 1830K, and stirred electromagnetically</a:t>
-            </a:r>
-          </a:p>
-          <a:p>
-            <a:r>
-              <a:rPr lang="en-US" sz="2400" dirty="0" err="1"/>
-              <a:t>Ar</a:t>
-            </a:r>
+              <a:t>Fe diffuses into the fuel, Ce and Nd diffuse into the cladding, and Pd enriches in localized areas of the fuel near the fuel–cladding interface</a:t>
+            </a:r>
+          </a:p>
+          <a:p>
             <a:r>
               <a:rPr lang="en-US" sz="2400" dirty="0"/>
-              <a:t> gas removed, molds are lowered, then </a:t>
-            </a:r>
-            <a:r>
-              <a:rPr lang="en-US" sz="2400" dirty="0" err="1"/>
-              <a:t>Ar</a:t>
-            </a:r>
-            <a:r>
-              <a:rPr lang="en-US" sz="2400" dirty="0"/>
-              <a:t> gas returned</a:t>
-            </a:r>
-          </a:p>
-          <a:p>
-            <a:r>
-              <a:rPr lang="en-US" sz="2400" dirty="0"/>
-              <a:t>Pressure difference injects the melt into the molds</a:t>
-            </a:r>
+              <a:t>The lanthanides penetrated the farthest into the cladding (40 mm) of any components originating in the fuel</a:t>
+            </a:r>
+          </a:p>
+          <a:p>
+            <a:endParaRPr lang="en-US" sz="2400" dirty="0"/>
+          </a:p>
+          <a:p>
+            <a:endParaRPr lang="en-US" sz="2400" dirty="0"/>
           </a:p>
         </p:txBody>
       </p:sp>
       <p:pic>
         <p:nvPicPr>
-          <p:cNvPr id="6" name="Content Placeholder 5">
-            <a:extLst>
-              <a:ext uri="{FF2B5EF4-FFF2-40B4-BE49-F238E27FC236}">
-                <a16:creationId xmlns:a16="http://schemas.microsoft.com/office/drawing/2014/main" id="{CFF54ABE-B410-0642-A653-583E0EDA6257}"/>
+          <p:cNvPr id="7" name="Content Placeholder 6">
+            <a:extLst>
+              <a:ext uri="{FF2B5EF4-FFF2-40B4-BE49-F238E27FC236}">
+                <a16:creationId xmlns:a16="http://schemas.microsoft.com/office/drawing/2014/main" id="{3CDFF704-A1CA-254F-9CDC-5F1D7A663285}"/>
               </a:ext>
             </a:extLst>
           </p:cNvPr>
@@ -10350,15 +9629,15 @@
           </p:nvPr>
         </p:nvPicPr>
         <p:blipFill>
-          <a:blip r:embed="rId3"/>
+          <a:blip r:embed="rId2"/>
           <a:stretch>
             <a:fillRect/>
           </a:stretch>
         </p:blipFill>
         <p:spPr>
           <a:xfrm>
-            <a:off x="4820535" y="1968500"/>
-            <a:ext cx="7205077" cy="3989387"/>
+            <a:off x="8492341" y="1881984"/>
+            <a:ext cx="3403589" cy="4075904"/>
           </a:xfrm>
           <a:prstGeom prst="rect">
             <a:avLst/>
@@ -10370,7 +9649,7 @@
           <p:cNvPr id="5" name="Slide Number Placeholder 4">
             <a:extLst>
               <a:ext uri="{FF2B5EF4-FFF2-40B4-BE49-F238E27FC236}">
-                <a16:creationId xmlns:a16="http://schemas.microsoft.com/office/drawing/2014/main" id="{000C07CA-C85C-0E46-83B0-05559C6298A2}"/>
+                <a16:creationId xmlns:a16="http://schemas.microsoft.com/office/drawing/2014/main" id="{3176C519-A7C9-9942-B75A-71A7388C58E5}"/>
               </a:ext>
             </a:extLst>
           </p:cNvPr>
@@ -10400,10 +9679,80 @@
           </a:p>
         </p:txBody>
       </p:sp>
+      <p:pic>
+        <p:nvPicPr>
+          <p:cNvPr id="6" name="Picture 5">
+            <a:extLst>
+              <a:ext uri="{FF2B5EF4-FFF2-40B4-BE49-F238E27FC236}">
+                <a16:creationId xmlns:a16="http://schemas.microsoft.com/office/drawing/2014/main" id="{7A831C1A-7686-994A-AC19-C311F395031E}"/>
+              </a:ext>
+            </a:extLst>
+          </p:cNvPr>
+          <p:cNvPicPr>
+            <a:picLocks noChangeAspect="1"/>
+          </p:cNvPicPr>
+          <p:nvPr/>
+        </p:nvPicPr>
+        <p:blipFill>
+          <a:blip r:embed="rId3"/>
+          <a:stretch>
+            <a:fillRect/>
+          </a:stretch>
+        </p:blipFill>
+        <p:spPr>
+          <a:xfrm>
+            <a:off x="5496572" y="2371727"/>
+            <a:ext cx="2927497" cy="3351214"/>
+          </a:xfrm>
+          <a:prstGeom prst="rect">
+            <a:avLst/>
+          </a:prstGeom>
+        </p:spPr>
+      </p:pic>
+      <p:sp>
+        <p:nvSpPr>
+          <p:cNvPr id="8" name="Rectangle 7">
+            <a:extLst>
+              <a:ext uri="{FF2B5EF4-FFF2-40B4-BE49-F238E27FC236}">
+                <a16:creationId xmlns:a16="http://schemas.microsoft.com/office/drawing/2014/main" id="{B77F493F-7369-9A49-8789-6E3F0D4B125F}"/>
+              </a:ext>
+            </a:extLst>
+          </p:cNvPr>
+          <p:cNvSpPr/>
+          <p:nvPr/>
+        </p:nvSpPr>
+        <p:spPr>
+          <a:xfrm>
+            <a:off x="5394546" y="5755276"/>
+            <a:ext cx="3063659" cy="338554"/>
+          </a:xfrm>
+          <a:prstGeom prst="rect">
+            <a:avLst/>
+          </a:prstGeom>
+        </p:spPr>
+        <p:txBody>
+          <a:bodyPr wrap="none">
+            <a:spAutoFit/>
+          </a:bodyPr>
+          <a:lstStyle/>
+          <a:p>
+            <a:r>
+              <a:rPr lang="en-US" sz="1600" dirty="0">
+                <a:latin typeface="Helvetica" pitchFamily="2" charset="0"/>
+              </a:rPr>
+              <a:t>(g) Ce, (h) Nd, (i) Ru, and (j) Pd</a:t>
+            </a:r>
+            <a:endParaRPr lang="en-US" sz="1600" dirty="0">
+              <a:effectLst/>
+              <a:latin typeface="Helvetica" pitchFamily="2" charset="0"/>
+            </a:endParaRPr>
+          </a:p>
+        </p:txBody>
+      </p:sp>
     </p:spTree>
     <p:extLst>
       <p:ext uri="{BB962C8B-B14F-4D97-AF65-F5344CB8AC3E}">
-        <p14:creationId xmlns:p14="http://schemas.microsoft.com/office/powerpoint/2010/main" val="1677275465"/>
+        <p14:creationId xmlns:p14="http://schemas.microsoft.com/office/powerpoint/2010/main" val="99947528"/>
       </p:ext>
     </p:extLst>
   </p:cSld>
@@ -10435,7 +9784,7 @@
           <p:cNvPr id="2" name="Title 1">
             <a:extLst>
               <a:ext uri="{FF2B5EF4-FFF2-40B4-BE49-F238E27FC236}">
-                <a16:creationId xmlns:a16="http://schemas.microsoft.com/office/drawing/2014/main" id="{B96CE851-9CAA-904E-B87E-EDA6E1A4863B}"/>
+                <a16:creationId xmlns:a16="http://schemas.microsoft.com/office/drawing/2014/main" id="{B6626BC8-6FCB-704C-AC34-A78F5D1F01F2}"/>
               </a:ext>
             </a:extLst>
           </p:cNvPr>
@@ -10453,7 +9802,7 @@
           <a:p>
             <a:r>
               <a:rPr lang="en-US" dirty="0"/>
-              <a:t>Reprocessing</a:t>
+              <a:t>FCCI Compositions</a:t>
             </a:r>
           </a:p>
         </p:txBody>
@@ -10463,7 +9812,7 @@
           <p:cNvPr id="3" name="Content Placeholder 2">
             <a:extLst>
               <a:ext uri="{FF2B5EF4-FFF2-40B4-BE49-F238E27FC236}">
-                <a16:creationId xmlns:a16="http://schemas.microsoft.com/office/drawing/2014/main" id="{DA5AC39C-F1A3-CA4D-8276-0BBA3895B9A8}"/>
+                <a16:creationId xmlns:a16="http://schemas.microsoft.com/office/drawing/2014/main" id="{6E857B11-BFC0-1741-B543-829D58113A2A}"/>
               </a:ext>
             </a:extLst>
           </p:cNvPr>
@@ -10474,77 +9823,113 @@
             <p:ph sz="half" idx="1"/>
           </p:nvPr>
         </p:nvSpPr>
-        <p:spPr/>
-        <p:txBody>
-          <a:bodyPr/>
-          <a:lstStyle/>
-          <a:p>
-            <a:r>
-              <a:rPr lang="en-US" dirty="0" err="1"/>
-              <a:t>Pyroprocessing</a:t>
-            </a:r>
-            <a:endParaRPr lang="en-US" dirty="0"/>
-          </a:p>
-        </p:txBody>
-      </p:sp>
-      <p:sp>
-        <p:nvSpPr>
-          <p:cNvPr id="4" name="Content Placeholder 3">
-            <a:extLst>
-              <a:ext uri="{FF2B5EF4-FFF2-40B4-BE49-F238E27FC236}">
-                <a16:creationId xmlns:a16="http://schemas.microsoft.com/office/drawing/2014/main" id="{C3F700C4-0FFA-D147-ADAB-03DAB0B785D7}"/>
-              </a:ext>
-            </a:extLst>
-          </p:cNvPr>
-          <p:cNvSpPr>
-            <a:spLocks noGrp="1"/>
-          </p:cNvSpPr>
+        <p:spPr>
+          <a:xfrm>
+            <a:off x="609600" y="1968503"/>
+            <a:ext cx="6579476" cy="4157663"/>
+          </a:xfrm>
+        </p:spPr>
+        <p:txBody>
+          <a:bodyPr/>
+          <a:lstStyle/>
+          <a:p>
+            <a:r>
+              <a:rPr lang="en-US" sz="2400" dirty="0"/>
+              <a:t>The DP-11 fuel element was irradiated to about 10 at.% burnup at elevated cladding temperatures (630–660 C), binary U-Zr</a:t>
+            </a:r>
+          </a:p>
+          <a:p>
+            <a:r>
+              <a:rPr lang="en-US" sz="2400" dirty="0"/>
+              <a:t>There is a 50-</a:t>
+            </a:r>
+            <a:r>
+              <a:rPr lang="en-US" sz="2400" dirty="0">
+                <a:latin typeface="Symbol" pitchFamily="2" charset="2"/>
+              </a:rPr>
+              <a:t>m</a:t>
+            </a:r>
+            <a:r>
+              <a:rPr lang="en-US" sz="2400" dirty="0"/>
+              <a:t>m-wide zone of the cladding that is high in Cr and low in Fe and Ni</a:t>
+            </a:r>
+          </a:p>
+          <a:p>
+            <a:r>
+              <a:rPr lang="en-US" sz="2400" dirty="0"/>
+              <a:t>In the fuel, Fe has </a:t>
+            </a:r>
+            <a:r>
+              <a:rPr lang="en-US" sz="2400" dirty="0" err="1"/>
+              <a:t>interdiffused</a:t>
+            </a:r>
+            <a:r>
+              <a:rPr lang="en-US" sz="2400" dirty="0"/>
+              <a:t> around 250 </a:t>
+            </a:r>
+            <a:r>
+              <a:rPr lang="en-US" sz="2400" dirty="0">
+                <a:latin typeface="Symbol" pitchFamily="2" charset="2"/>
+              </a:rPr>
+              <a:t>m</a:t>
+            </a:r>
+            <a:r>
+              <a:rPr lang="en-US" sz="2400" dirty="0"/>
+              <a:t>m</a:t>
+            </a:r>
+          </a:p>
+          <a:p>
+            <a:r>
+              <a:rPr lang="en-US" sz="2400" dirty="0"/>
+              <a:t>In the cladding band containing high Cr and low Fe and Ni, lanthanide concentrations are elevated</a:t>
+            </a:r>
+          </a:p>
+          <a:p>
+            <a:endParaRPr lang="en-US" sz="2400" dirty="0"/>
+          </a:p>
+          <a:p>
+            <a:endParaRPr lang="en-US" sz="2400" dirty="0"/>
+          </a:p>
+        </p:txBody>
+      </p:sp>
+      <p:pic>
+        <p:nvPicPr>
+          <p:cNvPr id="7" name="Content Placeholder 6">
+            <a:extLst>
+              <a:ext uri="{FF2B5EF4-FFF2-40B4-BE49-F238E27FC236}">
+                <a16:creationId xmlns:a16="http://schemas.microsoft.com/office/drawing/2014/main" id="{A4EE7470-92D5-EC4F-BDA4-F4F360CC166A}"/>
+              </a:ext>
+            </a:extLst>
+          </p:cNvPr>
+          <p:cNvPicPr>
+            <a:picLocks noGrp="1" noChangeAspect="1"/>
+          </p:cNvPicPr>
           <p:nvPr>
             <p:ph sz="half" idx="2"/>
           </p:nvPr>
-        </p:nvSpPr>
-        <p:spPr/>
-        <p:txBody>
-          <a:bodyPr/>
-          <a:lstStyle/>
-          <a:p>
-            <a:r>
-              <a:rPr lang="en-US" sz="2400" dirty="0"/>
-              <a:t>In the electrometallurgical</a:t>
-            </a:r>
-          </a:p>
-          <a:p>
-            <a:r>
-              <a:rPr lang="en-US" sz="2400" dirty="0"/>
-              <a:t>process, irradiated metal fuel is anodically dissolved</a:t>
-            </a:r>
-          </a:p>
-          <a:p>
-            <a:r>
-              <a:rPr lang="en-US" sz="2400" dirty="0"/>
-              <a:t>While uranium is deposited on the solid cathode, plutonium is collected in the liquid cadmium cathode with uranium, minor actinides (MA: Np, Am, Cm), and part of the lanthanide fission products</a:t>
-            </a:r>
-          </a:p>
-          <a:p>
-            <a:r>
-              <a:rPr lang="en-US" sz="2400" dirty="0"/>
-              <a:t>This inherently low-decontamination aspect brings about a proliferation- resistant feature to the electrometallurgical process</a:t>
-            </a:r>
-          </a:p>
-          <a:p>
-            <a:endParaRPr lang="en-US" sz="2400" dirty="0"/>
-          </a:p>
-          <a:p>
-            <a:endParaRPr lang="en-US" sz="2400" dirty="0"/>
-          </a:p>
-        </p:txBody>
-      </p:sp>
+        </p:nvPicPr>
+        <p:blipFill>
+          <a:blip r:embed="rId2"/>
+          <a:stretch>
+            <a:fillRect/>
+          </a:stretch>
+        </p:blipFill>
+        <p:spPr>
+          <a:xfrm>
+            <a:off x="7278900" y="1619790"/>
+            <a:ext cx="3662369" cy="5238210"/>
+          </a:xfrm>
+          <a:prstGeom prst="rect">
+            <a:avLst/>
+          </a:prstGeom>
+        </p:spPr>
+      </p:pic>
       <p:sp>
         <p:nvSpPr>
           <p:cNvPr id="5" name="Slide Number Placeholder 4">
             <a:extLst>
               <a:ext uri="{FF2B5EF4-FFF2-40B4-BE49-F238E27FC236}">
-                <a16:creationId xmlns:a16="http://schemas.microsoft.com/office/drawing/2014/main" id="{000C07CA-C85C-0E46-83B0-05559C6298A2}"/>
+                <a16:creationId xmlns:a16="http://schemas.microsoft.com/office/drawing/2014/main" id="{3112BB3F-F1DB-3249-B292-F86627819AD6}"/>
               </a:ext>
             </a:extLst>
           </p:cNvPr>
@@ -10574,10 +9959,40 @@
           </a:p>
         </p:txBody>
       </p:sp>
+      <p:pic>
+        <p:nvPicPr>
+          <p:cNvPr id="6" name="Picture 5">
+            <a:extLst>
+              <a:ext uri="{FF2B5EF4-FFF2-40B4-BE49-F238E27FC236}">
+                <a16:creationId xmlns:a16="http://schemas.microsoft.com/office/drawing/2014/main" id="{FDA53B95-5FAB-3F46-BDFE-7B7F50B46E25}"/>
+              </a:ext>
+            </a:extLst>
+          </p:cNvPr>
+          <p:cNvPicPr>
+            <a:picLocks noChangeAspect="1"/>
+          </p:cNvPicPr>
+          <p:nvPr/>
+        </p:nvPicPr>
+        <p:blipFill>
+          <a:blip r:embed="rId3"/>
+          <a:stretch>
+            <a:fillRect/>
+          </a:stretch>
+        </p:blipFill>
+        <p:spPr>
+          <a:xfrm>
+            <a:off x="187969" y="6173472"/>
+            <a:ext cx="7382577" cy="182880"/>
+          </a:xfrm>
+          <a:prstGeom prst="rect">
+            <a:avLst/>
+          </a:prstGeom>
+        </p:spPr>
+      </p:pic>
     </p:spTree>
     <p:extLst>
       <p:ext uri="{BB962C8B-B14F-4D97-AF65-F5344CB8AC3E}">
-        <p14:creationId xmlns:p14="http://schemas.microsoft.com/office/powerpoint/2010/main" val="889640267"/>
+        <p14:creationId xmlns:p14="http://schemas.microsoft.com/office/powerpoint/2010/main" val="516022533"/>
       </p:ext>
     </p:extLst>
   </p:cSld>
@@ -10609,7 +10024,7 @@
           <p:cNvPr id="2" name="Title 1">
             <a:extLst>
               <a:ext uri="{FF2B5EF4-FFF2-40B4-BE49-F238E27FC236}">
-                <a16:creationId xmlns:a16="http://schemas.microsoft.com/office/drawing/2014/main" id="{B96CE851-9CAA-904E-B87E-EDA6E1A4863B}"/>
+                <a16:creationId xmlns:a16="http://schemas.microsoft.com/office/drawing/2014/main" id="{2EAEDCB8-B46E-4C48-A5E8-127FC39B85C2}"/>
               </a:ext>
             </a:extLst>
           </p:cNvPr>
@@ -10627,7 +10042,7 @@
           <a:p>
             <a:r>
               <a:rPr lang="en-US" dirty="0"/>
-              <a:t>Reprocessing</a:t>
+              <a:t>FCCI </a:t>
             </a:r>
           </a:p>
         </p:txBody>
@@ -10637,7 +10052,7 @@
           <p:cNvPr id="3" name="Content Placeholder 2">
             <a:extLst>
               <a:ext uri="{FF2B5EF4-FFF2-40B4-BE49-F238E27FC236}">
-                <a16:creationId xmlns:a16="http://schemas.microsoft.com/office/drawing/2014/main" id="{DA5AC39C-F1A3-CA4D-8276-0BBA3895B9A8}"/>
+                <a16:creationId xmlns:a16="http://schemas.microsoft.com/office/drawing/2014/main" id="{08C8C4A5-FB2E-6E48-9205-484356B68440}"/>
               </a:ext>
             </a:extLst>
           </p:cNvPr>
@@ -10654,10 +10069,21 @@
           <a:lstStyle/>
           <a:p>
             <a:r>
-              <a:rPr lang="en-US" dirty="0" err="1"/>
-              <a:t>Pyroprocessing</a:t>
-            </a:r>
-            <a:endParaRPr lang="en-US" dirty="0"/>
+              <a:rPr lang="en-US" sz="2400" dirty="0"/>
+              <a:t>A variety of phases have been observed to form locally where swelled fuel has contacted the cladding</a:t>
+            </a:r>
+          </a:p>
+          <a:p>
+            <a:r>
+              <a:rPr lang="en-US" sz="2400" dirty="0"/>
+              <a:t>At the interface between the fuel and the cladding, the observed phases on both sides combine the cladding elements Fe, Ni, and Cr with the fuel components U, Zr, and Pu and the lanthanide fission products</a:t>
+            </a:r>
+          </a:p>
+          <a:p>
+            <a:endParaRPr lang="en-US" sz="2400" dirty="0"/>
+          </a:p>
+          <a:p>
+            <a:endParaRPr lang="en-US" sz="2400" dirty="0"/>
           </a:p>
         </p:txBody>
       </p:sp>
@@ -10666,7 +10092,7 @@
           <p:cNvPr id="4" name="Content Placeholder 3">
             <a:extLst>
               <a:ext uri="{FF2B5EF4-FFF2-40B4-BE49-F238E27FC236}">
-                <a16:creationId xmlns:a16="http://schemas.microsoft.com/office/drawing/2014/main" id="{C3F700C4-0FFA-D147-ADAB-03DAB0B785D7}"/>
+                <a16:creationId xmlns:a16="http://schemas.microsoft.com/office/drawing/2014/main" id="{DDDACF29-A588-494D-8F73-C1F16A4D4F99}"/>
               </a:ext>
             </a:extLst>
           </p:cNvPr>
@@ -10684,19 +10110,19 @@
           <a:p>
             <a:r>
               <a:rPr lang="en-US" sz="2400" dirty="0"/>
-              <a:t>Can reduce the repository burden of radioactive waste by separating long-lived MA from spent light-water reactor fuel, burning MA in fast reactors, and decreasing the long-term radioactivity of nuclear waste</a:t>
+              <a:t>In the cladding, the developed phases are enriched with cladding components, and they contain differing amounts of the primary fuel components and fission product components</a:t>
             </a:r>
           </a:p>
           <a:p>
             <a:r>
               <a:rPr lang="en-US" sz="2400" dirty="0"/>
-              <a:t>Metal-fueled fast reactors facilitate the effective transmutation of MA because of the high-energy neutron spectrum</a:t>
+              <a:t>Lanthanides penetrate farthest into the cladding, specifically Ce and Nd</a:t>
             </a:r>
           </a:p>
           <a:p>
             <a:r>
               <a:rPr lang="en-US" sz="2400" dirty="0"/>
-              <a:t>One of the measures to load MA into the reactor core is to add MA to the fuel alloy homogeneously</a:t>
+              <a:t>Fe and Ni depletion zones are observed in all the fuel elements</a:t>
             </a:r>
           </a:p>
           <a:p>
@@ -10705,6 +10131,9 @@
           <a:p>
             <a:endParaRPr lang="en-US" sz="2400" dirty="0"/>
           </a:p>
+          <a:p>
+            <a:endParaRPr lang="en-US" sz="2400" dirty="0"/>
+          </a:p>
         </p:txBody>
       </p:sp>
       <p:sp>
@@ -10712,7 +10141,7 @@
           <p:cNvPr id="5" name="Slide Number Placeholder 4">
             <a:extLst>
               <a:ext uri="{FF2B5EF4-FFF2-40B4-BE49-F238E27FC236}">
-                <a16:creationId xmlns:a16="http://schemas.microsoft.com/office/drawing/2014/main" id="{000C07CA-C85C-0E46-83B0-05559C6298A2}"/>
+                <a16:creationId xmlns:a16="http://schemas.microsoft.com/office/drawing/2014/main" id="{303B83D5-54D0-8A49-A37A-C02A42F037E1}"/>
               </a:ext>
             </a:extLst>
           </p:cNvPr>
@@ -10745,7 +10174,7 @@
     </p:spTree>
     <p:extLst>
       <p:ext uri="{BB962C8B-B14F-4D97-AF65-F5344CB8AC3E}">
-        <p14:creationId xmlns:p14="http://schemas.microsoft.com/office/powerpoint/2010/main" val="633248325"/>
+        <p14:creationId xmlns:p14="http://schemas.microsoft.com/office/powerpoint/2010/main" val="3341281069"/>
       </p:ext>
     </p:extLst>
   </p:cSld>
